--- a/Arboles/Printf.pptx
+++ b/Arboles/Printf.pptx
@@ -2,19 +2,19 @@
 <file path=ppt/presentation.xml><?xml version="1.0" encoding="utf-8"?>
 <p:presentation xmlns:a="http://schemas.openxmlformats.org/drawingml/2006/main" xmlns:r="http://schemas.openxmlformats.org/officeDocument/2006/relationships" xmlns:p="http://schemas.openxmlformats.org/presentationml/2006/main" saveSubsetFonts="1">
   <p:sldMasterIdLst>
-    <p:sldMasterId id="2147483648" r:id="rId1"/>
+    <p:sldMasterId id="2147483660" r:id="rId1"/>
   </p:sldMasterIdLst>
   <p:sldIdLst>
     <p:sldId id="257" r:id="rId2"/>
     <p:sldId id="256" r:id="rId3"/>
   </p:sldIdLst>
-  <p:sldSz cx="12192000" cy="6858000"/>
+  <p:sldSz cx="12192000" cy="9018588"/>
   <p:notesSz cx="6858000" cy="9144000"/>
   <p:defaultTextStyle>
     <a:defPPr>
       <a:defRPr lang="en-US"/>
     </a:defPPr>
-    <a:lvl1pPr marL="0" algn="l" defTabSz="914400" rtl="0" eaLnBrk="1" latinLnBrk="0" hangingPunct="1">
+    <a:lvl1pPr marL="0" algn="l" defTabSz="457200" rtl="0" eaLnBrk="1" latinLnBrk="0" hangingPunct="1">
       <a:defRPr sz="1800" kern="1200">
         <a:solidFill>
           <a:schemeClr val="tx1"/>
@@ -24,7 +24,7 @@
         <a:cs typeface="+mn-cs"/>
       </a:defRPr>
     </a:lvl1pPr>
-    <a:lvl2pPr marL="457200" algn="l" defTabSz="914400" rtl="0" eaLnBrk="1" latinLnBrk="0" hangingPunct="1">
+    <a:lvl2pPr marL="457200" algn="l" defTabSz="457200" rtl="0" eaLnBrk="1" latinLnBrk="0" hangingPunct="1">
       <a:defRPr sz="1800" kern="1200">
         <a:solidFill>
           <a:schemeClr val="tx1"/>
@@ -34,7 +34,7 @@
         <a:cs typeface="+mn-cs"/>
       </a:defRPr>
     </a:lvl2pPr>
-    <a:lvl3pPr marL="914400" algn="l" defTabSz="914400" rtl="0" eaLnBrk="1" latinLnBrk="0" hangingPunct="1">
+    <a:lvl3pPr marL="914400" algn="l" defTabSz="457200" rtl="0" eaLnBrk="1" latinLnBrk="0" hangingPunct="1">
       <a:defRPr sz="1800" kern="1200">
         <a:solidFill>
           <a:schemeClr val="tx1"/>
@@ -44,7 +44,7 @@
         <a:cs typeface="+mn-cs"/>
       </a:defRPr>
     </a:lvl3pPr>
-    <a:lvl4pPr marL="1371600" algn="l" defTabSz="914400" rtl="0" eaLnBrk="1" latinLnBrk="0" hangingPunct="1">
+    <a:lvl4pPr marL="1371600" algn="l" defTabSz="457200" rtl="0" eaLnBrk="1" latinLnBrk="0" hangingPunct="1">
       <a:defRPr sz="1800" kern="1200">
         <a:solidFill>
           <a:schemeClr val="tx1"/>
@@ -54,7 +54,7 @@
         <a:cs typeface="+mn-cs"/>
       </a:defRPr>
     </a:lvl4pPr>
-    <a:lvl5pPr marL="1828800" algn="l" defTabSz="914400" rtl="0" eaLnBrk="1" latinLnBrk="0" hangingPunct="1">
+    <a:lvl5pPr marL="1828800" algn="l" defTabSz="457200" rtl="0" eaLnBrk="1" latinLnBrk="0" hangingPunct="1">
       <a:defRPr sz="1800" kern="1200">
         <a:solidFill>
           <a:schemeClr val="tx1"/>
@@ -64,7 +64,7 @@
         <a:cs typeface="+mn-cs"/>
       </a:defRPr>
     </a:lvl5pPr>
-    <a:lvl6pPr marL="2286000" algn="l" defTabSz="914400" rtl="0" eaLnBrk="1" latinLnBrk="0" hangingPunct="1">
+    <a:lvl6pPr marL="2286000" algn="l" defTabSz="457200" rtl="0" eaLnBrk="1" latinLnBrk="0" hangingPunct="1">
       <a:defRPr sz="1800" kern="1200">
         <a:solidFill>
           <a:schemeClr val="tx1"/>
@@ -74,7 +74,7 @@
         <a:cs typeface="+mn-cs"/>
       </a:defRPr>
     </a:lvl6pPr>
-    <a:lvl7pPr marL="2743200" algn="l" defTabSz="914400" rtl="0" eaLnBrk="1" latinLnBrk="0" hangingPunct="1">
+    <a:lvl7pPr marL="2743200" algn="l" defTabSz="457200" rtl="0" eaLnBrk="1" latinLnBrk="0" hangingPunct="1">
       <a:defRPr sz="1800" kern="1200">
         <a:solidFill>
           <a:schemeClr val="tx1"/>
@@ -84,7 +84,7 @@
         <a:cs typeface="+mn-cs"/>
       </a:defRPr>
     </a:lvl7pPr>
-    <a:lvl8pPr marL="3200400" algn="l" defTabSz="914400" rtl="0" eaLnBrk="1" latinLnBrk="0" hangingPunct="1">
+    <a:lvl8pPr marL="3200400" algn="l" defTabSz="457200" rtl="0" eaLnBrk="1" latinLnBrk="0" hangingPunct="1">
       <a:defRPr sz="1800" kern="1200">
         <a:solidFill>
           <a:schemeClr val="tx1"/>
@@ -94,7 +94,7 @@
         <a:cs typeface="+mn-cs"/>
       </a:defRPr>
     </a:lvl8pPr>
-    <a:lvl9pPr marL="3657600" algn="l" defTabSz="914400" rtl="0" eaLnBrk="1" latinLnBrk="0" hangingPunct="1">
+    <a:lvl9pPr marL="3657600" algn="l" defTabSz="457200" rtl="0" eaLnBrk="1" latinLnBrk="0" hangingPunct="1">
       <a:defRPr sz="1800" kern="1200">
         <a:solidFill>
           <a:schemeClr val="tx1"/>
@@ -132,7 +132,7 @@
       </p:grpSpPr>
       <p:sp>
         <p:nvSpPr>
-          <p:cNvPr id="2" name="Título 1"/>
+          <p:cNvPr id="2" name="Title 1"/>
           <p:cNvSpPr>
             <a:spLocks noGrp="1"/>
           </p:cNvSpPr>
@@ -142,29 +142,29 @@
         </p:nvSpPr>
         <p:spPr>
           <a:xfrm>
-            <a:off x="1524000" y="1122363"/>
-            <a:ext cx="9144000" cy="2387600"/>
+            <a:off x="914400" y="1475959"/>
+            <a:ext cx="10363200" cy="3139805"/>
           </a:xfrm>
         </p:spPr>
         <p:txBody>
           <a:bodyPr anchor="b"/>
           <a:lstStyle>
             <a:lvl1pPr algn="ctr">
-              <a:defRPr sz="6000"/>
+              <a:defRPr sz="7890"/>
             </a:lvl1pPr>
           </a:lstStyle>
           <a:p>
             <a:r>
-              <a:rPr lang="es-ES"/>
+              <a:rPr lang="es-ES" smtClean="0"/>
               <a:t>Haga clic para modificar el estilo de título del patrón</a:t>
             </a:r>
-            <a:endParaRPr lang="en-US"/>
-          </a:p>
-        </p:txBody>
-      </p:sp>
-      <p:sp>
-        <p:nvSpPr>
-          <p:cNvPr id="3" name="Subtítulo 2"/>
+            <a:endParaRPr lang="en-US" dirty="0"/>
+          </a:p>
+        </p:txBody>
+      </p:sp>
+      <p:sp>
+        <p:nvSpPr>
+          <p:cNvPr id="3" name="Subtitle 2"/>
           <p:cNvSpPr>
             <a:spLocks noGrp="1"/>
           </p:cNvSpPr>
@@ -174,8 +174,8 @@
         </p:nvSpPr>
         <p:spPr>
           <a:xfrm>
-            <a:off x="1524000" y="3602038"/>
-            <a:ext cx="9144000" cy="1655762"/>
+            <a:off x="1524000" y="4736847"/>
+            <a:ext cx="9144000" cy="2177404"/>
           </a:xfrm>
         </p:spPr>
         <p:txBody>
@@ -183,53 +183,53 @@
           <a:lstStyle>
             <a:lvl1pPr marL="0" indent="0" algn="ctr">
               <a:buNone/>
-              <a:defRPr sz="2400"/>
+              <a:defRPr sz="3156"/>
             </a:lvl1pPr>
-            <a:lvl2pPr marL="457200" indent="0" algn="ctr">
-              <a:buNone/>
-              <a:defRPr sz="2000"/>
+            <a:lvl2pPr marL="601218" indent="0" algn="ctr">
+              <a:buNone/>
+              <a:defRPr sz="2630"/>
             </a:lvl2pPr>
-            <a:lvl3pPr marL="914400" indent="0" algn="ctr">
-              <a:buNone/>
-              <a:defRPr sz="1800"/>
+            <a:lvl3pPr marL="1202436" indent="0" algn="ctr">
+              <a:buNone/>
+              <a:defRPr sz="2367"/>
             </a:lvl3pPr>
-            <a:lvl4pPr marL="1371600" indent="0" algn="ctr">
-              <a:buNone/>
-              <a:defRPr sz="1600"/>
+            <a:lvl4pPr marL="1803654" indent="0" algn="ctr">
+              <a:buNone/>
+              <a:defRPr sz="2104"/>
             </a:lvl4pPr>
-            <a:lvl5pPr marL="1828800" indent="0" algn="ctr">
-              <a:buNone/>
-              <a:defRPr sz="1600"/>
+            <a:lvl5pPr marL="2404872" indent="0" algn="ctr">
+              <a:buNone/>
+              <a:defRPr sz="2104"/>
             </a:lvl5pPr>
-            <a:lvl6pPr marL="2286000" indent="0" algn="ctr">
-              <a:buNone/>
-              <a:defRPr sz="1600"/>
+            <a:lvl6pPr marL="3006090" indent="0" algn="ctr">
+              <a:buNone/>
+              <a:defRPr sz="2104"/>
             </a:lvl6pPr>
-            <a:lvl7pPr marL="2743200" indent="0" algn="ctr">
-              <a:buNone/>
-              <a:defRPr sz="1600"/>
+            <a:lvl7pPr marL="3607308" indent="0" algn="ctr">
+              <a:buNone/>
+              <a:defRPr sz="2104"/>
             </a:lvl7pPr>
-            <a:lvl8pPr marL="3200400" indent="0" algn="ctr">
-              <a:buNone/>
-              <a:defRPr sz="1600"/>
+            <a:lvl8pPr marL="4208526" indent="0" algn="ctr">
+              <a:buNone/>
+              <a:defRPr sz="2104"/>
             </a:lvl8pPr>
-            <a:lvl9pPr marL="3657600" indent="0" algn="ctr">
-              <a:buNone/>
-              <a:defRPr sz="1600"/>
+            <a:lvl9pPr marL="4809744" indent="0" algn="ctr">
+              <a:buNone/>
+              <a:defRPr sz="2104"/>
             </a:lvl9pPr>
           </a:lstStyle>
           <a:p>
             <a:r>
-              <a:rPr lang="es-ES"/>
+              <a:rPr lang="es-ES" smtClean="0"/>
               <a:t>Haga clic para editar el estilo de subtítulo del patrón</a:t>
             </a:r>
-            <a:endParaRPr lang="en-US"/>
-          </a:p>
-        </p:txBody>
-      </p:sp>
-      <p:sp>
-        <p:nvSpPr>
-          <p:cNvPr id="4" name="Marcador de fecha 3"/>
+            <a:endParaRPr lang="en-US" dirty="0"/>
+          </a:p>
+        </p:txBody>
+      </p:sp>
+      <p:sp>
+        <p:nvSpPr>
+          <p:cNvPr id="4" name="Date Placeholder 3"/>
           <p:cNvSpPr>
             <a:spLocks noGrp="1"/>
           </p:cNvSpPr>
@@ -252,7 +252,7 @@
       </p:sp>
       <p:sp>
         <p:nvSpPr>
-          <p:cNvPr id="5" name="Marcador de pie de página 4"/>
+          <p:cNvPr id="5" name="Footer Placeholder 4"/>
           <p:cNvSpPr>
             <a:spLocks noGrp="1"/>
           </p:cNvSpPr>
@@ -271,7 +271,7 @@
       </p:sp>
       <p:sp>
         <p:nvSpPr>
-          <p:cNvPr id="6" name="Marcador de número de diapositiva 5"/>
+          <p:cNvPr id="6" name="Slide Number Placeholder 5"/>
           <p:cNvSpPr>
             <a:spLocks noGrp="1"/>
           </p:cNvSpPr>
@@ -295,7 +295,7 @@
     </p:spTree>
     <p:extLst>
       <p:ext uri="{BB962C8B-B14F-4D97-AF65-F5344CB8AC3E}">
-        <p14:creationId xmlns:p14="http://schemas.microsoft.com/office/powerpoint/2010/main" val="1560971155"/>
+        <p14:creationId xmlns:p14="http://schemas.microsoft.com/office/powerpoint/2010/main" val="2845968378"/>
       </p:ext>
     </p:extLst>
   </p:cSld>
@@ -324,7 +324,7 @@
       </p:grpSpPr>
       <p:sp>
         <p:nvSpPr>
-          <p:cNvPr id="2" name="Título 1"/>
+          <p:cNvPr id="2" name="Title 1"/>
           <p:cNvSpPr>
             <a:spLocks noGrp="1"/>
           </p:cNvSpPr>
@@ -338,16 +338,16 @@
           <a:lstStyle/>
           <a:p>
             <a:r>
-              <a:rPr lang="es-ES"/>
+              <a:rPr lang="es-ES" smtClean="0"/>
               <a:t>Haga clic para modificar el estilo de título del patrón</a:t>
             </a:r>
-            <a:endParaRPr lang="en-US"/>
-          </a:p>
-        </p:txBody>
-      </p:sp>
-      <p:sp>
-        <p:nvSpPr>
-          <p:cNvPr id="3" name="Marcador de texto vertical 2"/>
+            <a:endParaRPr lang="en-US" dirty="0"/>
+          </a:p>
+        </p:txBody>
+      </p:sp>
+      <p:sp>
+        <p:nvSpPr>
+          <p:cNvPr id="3" name="Vertical Text Placeholder 2"/>
           <p:cNvSpPr>
             <a:spLocks noGrp="1"/>
           </p:cNvSpPr>
@@ -362,44 +362,44 @@
           <a:p>
             <a:pPr lvl="0"/>
             <a:r>
-              <a:rPr lang="es-ES"/>
+              <a:rPr lang="es-ES" smtClean="0"/>
               <a:t>Editar el estilo de texto del patrón</a:t>
             </a:r>
           </a:p>
           <a:p>
             <a:pPr lvl="1"/>
             <a:r>
-              <a:rPr lang="es-ES"/>
+              <a:rPr lang="es-ES" smtClean="0"/>
               <a:t>Segundo nivel</a:t>
             </a:r>
           </a:p>
           <a:p>
             <a:pPr lvl="2"/>
             <a:r>
-              <a:rPr lang="es-ES"/>
+              <a:rPr lang="es-ES" smtClean="0"/>
               <a:t>Tercer nivel</a:t>
             </a:r>
           </a:p>
           <a:p>
             <a:pPr lvl="3"/>
             <a:r>
-              <a:rPr lang="es-ES"/>
+              <a:rPr lang="es-ES" smtClean="0"/>
               <a:t>Cuarto nivel</a:t>
             </a:r>
           </a:p>
           <a:p>
             <a:pPr lvl="4"/>
             <a:r>
-              <a:rPr lang="es-ES"/>
+              <a:rPr lang="es-ES" smtClean="0"/>
               <a:t>Quinto nivel</a:t>
             </a:r>
-            <a:endParaRPr lang="en-US"/>
-          </a:p>
-        </p:txBody>
-      </p:sp>
-      <p:sp>
-        <p:nvSpPr>
-          <p:cNvPr id="4" name="Marcador de fecha 3"/>
+            <a:endParaRPr lang="en-US" dirty="0"/>
+          </a:p>
+        </p:txBody>
+      </p:sp>
+      <p:sp>
+        <p:nvSpPr>
+          <p:cNvPr id="4" name="Date Placeholder 3"/>
           <p:cNvSpPr>
             <a:spLocks noGrp="1"/>
           </p:cNvSpPr>
@@ -422,7 +422,7 @@
       </p:sp>
       <p:sp>
         <p:nvSpPr>
-          <p:cNvPr id="5" name="Marcador de pie de página 4"/>
+          <p:cNvPr id="5" name="Footer Placeholder 4"/>
           <p:cNvSpPr>
             <a:spLocks noGrp="1"/>
           </p:cNvSpPr>
@@ -441,7 +441,7 @@
       </p:sp>
       <p:sp>
         <p:nvSpPr>
-          <p:cNvPr id="6" name="Marcador de número de diapositiva 5"/>
+          <p:cNvPr id="6" name="Slide Number Placeholder 5"/>
           <p:cNvSpPr>
             <a:spLocks noGrp="1"/>
           </p:cNvSpPr>
@@ -465,7 +465,7 @@
     </p:spTree>
     <p:extLst>
       <p:ext uri="{BB962C8B-B14F-4D97-AF65-F5344CB8AC3E}">
-        <p14:creationId xmlns:p14="http://schemas.microsoft.com/office/powerpoint/2010/main" val="3046940473"/>
+        <p14:creationId xmlns:p14="http://schemas.microsoft.com/office/powerpoint/2010/main" val="3654143634"/>
       </p:ext>
     </p:extLst>
   </p:cSld>
@@ -494,7 +494,7 @@
       </p:grpSpPr>
       <p:sp>
         <p:nvSpPr>
-          <p:cNvPr id="2" name="Título vertical 1"/>
+          <p:cNvPr id="2" name="Vertical Title 1"/>
           <p:cNvSpPr>
             <a:spLocks noGrp="1"/>
           </p:cNvSpPr>
@@ -504,8 +504,8 @@
         </p:nvSpPr>
         <p:spPr>
           <a:xfrm>
-            <a:off x="8724900" y="365125"/>
-            <a:ext cx="2628900" cy="5811838"/>
+            <a:off x="8724901" y="480157"/>
+            <a:ext cx="2628900" cy="7642836"/>
           </a:xfrm>
         </p:spPr>
         <p:txBody>
@@ -513,16 +513,16 @@
           <a:lstStyle/>
           <a:p>
             <a:r>
-              <a:rPr lang="es-ES"/>
+              <a:rPr lang="es-ES" smtClean="0"/>
               <a:t>Haga clic para modificar el estilo de título del patrón</a:t>
             </a:r>
-            <a:endParaRPr lang="en-US"/>
-          </a:p>
-        </p:txBody>
-      </p:sp>
-      <p:sp>
-        <p:nvSpPr>
-          <p:cNvPr id="3" name="Marcador de texto vertical 2"/>
+            <a:endParaRPr lang="en-US" dirty="0"/>
+          </a:p>
+        </p:txBody>
+      </p:sp>
+      <p:sp>
+        <p:nvSpPr>
+          <p:cNvPr id="3" name="Vertical Text Placeholder 2"/>
           <p:cNvSpPr>
             <a:spLocks noGrp="1"/>
           </p:cNvSpPr>
@@ -532,8 +532,8 @@
         </p:nvSpPr>
         <p:spPr>
           <a:xfrm>
-            <a:off x="838200" y="365125"/>
-            <a:ext cx="7734300" cy="5811838"/>
+            <a:off x="838201" y="480157"/>
+            <a:ext cx="7734300" cy="7642836"/>
           </a:xfrm>
         </p:spPr>
         <p:txBody>
@@ -542,44 +542,44 @@
           <a:p>
             <a:pPr lvl="0"/>
             <a:r>
-              <a:rPr lang="es-ES"/>
+              <a:rPr lang="es-ES" smtClean="0"/>
               <a:t>Editar el estilo de texto del patrón</a:t>
             </a:r>
           </a:p>
           <a:p>
             <a:pPr lvl="1"/>
             <a:r>
-              <a:rPr lang="es-ES"/>
+              <a:rPr lang="es-ES" smtClean="0"/>
               <a:t>Segundo nivel</a:t>
             </a:r>
           </a:p>
           <a:p>
             <a:pPr lvl="2"/>
             <a:r>
-              <a:rPr lang="es-ES"/>
+              <a:rPr lang="es-ES" smtClean="0"/>
               <a:t>Tercer nivel</a:t>
             </a:r>
           </a:p>
           <a:p>
             <a:pPr lvl="3"/>
             <a:r>
-              <a:rPr lang="es-ES"/>
+              <a:rPr lang="es-ES" smtClean="0"/>
               <a:t>Cuarto nivel</a:t>
             </a:r>
           </a:p>
           <a:p>
             <a:pPr lvl="4"/>
             <a:r>
-              <a:rPr lang="es-ES"/>
+              <a:rPr lang="es-ES" smtClean="0"/>
               <a:t>Quinto nivel</a:t>
             </a:r>
-            <a:endParaRPr lang="en-US"/>
-          </a:p>
-        </p:txBody>
-      </p:sp>
-      <p:sp>
-        <p:nvSpPr>
-          <p:cNvPr id="4" name="Marcador de fecha 3"/>
+            <a:endParaRPr lang="en-US" dirty="0"/>
+          </a:p>
+        </p:txBody>
+      </p:sp>
+      <p:sp>
+        <p:nvSpPr>
+          <p:cNvPr id="4" name="Date Placeholder 3"/>
           <p:cNvSpPr>
             <a:spLocks noGrp="1"/>
           </p:cNvSpPr>
@@ -602,7 +602,7 @@
       </p:sp>
       <p:sp>
         <p:nvSpPr>
-          <p:cNvPr id="5" name="Marcador de pie de página 4"/>
+          <p:cNvPr id="5" name="Footer Placeholder 4"/>
           <p:cNvSpPr>
             <a:spLocks noGrp="1"/>
           </p:cNvSpPr>
@@ -621,7 +621,7 @@
       </p:sp>
       <p:sp>
         <p:nvSpPr>
-          <p:cNvPr id="6" name="Marcador de número de diapositiva 5"/>
+          <p:cNvPr id="6" name="Slide Number Placeholder 5"/>
           <p:cNvSpPr>
             <a:spLocks noGrp="1"/>
           </p:cNvSpPr>
@@ -645,7 +645,7 @@
     </p:spTree>
     <p:extLst>
       <p:ext uri="{BB962C8B-B14F-4D97-AF65-F5344CB8AC3E}">
-        <p14:creationId xmlns:p14="http://schemas.microsoft.com/office/powerpoint/2010/main" val="2565032030"/>
+        <p14:creationId xmlns:p14="http://schemas.microsoft.com/office/powerpoint/2010/main" val="216299609"/>
       </p:ext>
     </p:extLst>
   </p:cSld>
@@ -674,7 +674,7 @@
       </p:grpSpPr>
       <p:sp>
         <p:nvSpPr>
-          <p:cNvPr id="2" name="Título 1"/>
+          <p:cNvPr id="2" name="Title 1"/>
           <p:cNvSpPr>
             <a:spLocks noGrp="1"/>
           </p:cNvSpPr>
@@ -688,16 +688,16 @@
           <a:lstStyle/>
           <a:p>
             <a:r>
-              <a:rPr lang="es-ES"/>
+              <a:rPr lang="es-ES" smtClean="0"/>
               <a:t>Haga clic para modificar el estilo de título del patrón</a:t>
             </a:r>
-            <a:endParaRPr lang="en-US"/>
-          </a:p>
-        </p:txBody>
-      </p:sp>
-      <p:sp>
-        <p:nvSpPr>
-          <p:cNvPr id="3" name="Marcador de contenido 2"/>
+            <a:endParaRPr lang="en-US" dirty="0"/>
+          </a:p>
+        </p:txBody>
+      </p:sp>
+      <p:sp>
+        <p:nvSpPr>
+          <p:cNvPr id="3" name="Content Placeholder 2"/>
           <p:cNvSpPr>
             <a:spLocks noGrp="1"/>
           </p:cNvSpPr>
@@ -712,44 +712,44 @@
           <a:p>
             <a:pPr lvl="0"/>
             <a:r>
-              <a:rPr lang="es-ES"/>
+              <a:rPr lang="es-ES" smtClean="0"/>
               <a:t>Editar el estilo de texto del patrón</a:t>
             </a:r>
           </a:p>
           <a:p>
             <a:pPr lvl="1"/>
             <a:r>
-              <a:rPr lang="es-ES"/>
+              <a:rPr lang="es-ES" smtClean="0"/>
               <a:t>Segundo nivel</a:t>
             </a:r>
           </a:p>
           <a:p>
             <a:pPr lvl="2"/>
             <a:r>
-              <a:rPr lang="es-ES"/>
+              <a:rPr lang="es-ES" smtClean="0"/>
               <a:t>Tercer nivel</a:t>
             </a:r>
           </a:p>
           <a:p>
             <a:pPr lvl="3"/>
             <a:r>
-              <a:rPr lang="es-ES"/>
+              <a:rPr lang="es-ES" smtClean="0"/>
               <a:t>Cuarto nivel</a:t>
             </a:r>
           </a:p>
           <a:p>
             <a:pPr lvl="4"/>
             <a:r>
-              <a:rPr lang="es-ES"/>
+              <a:rPr lang="es-ES" smtClean="0"/>
               <a:t>Quinto nivel</a:t>
             </a:r>
-            <a:endParaRPr lang="en-US"/>
-          </a:p>
-        </p:txBody>
-      </p:sp>
-      <p:sp>
-        <p:nvSpPr>
-          <p:cNvPr id="4" name="Marcador de fecha 3"/>
+            <a:endParaRPr lang="en-US" dirty="0"/>
+          </a:p>
+        </p:txBody>
+      </p:sp>
+      <p:sp>
+        <p:nvSpPr>
+          <p:cNvPr id="4" name="Date Placeholder 3"/>
           <p:cNvSpPr>
             <a:spLocks noGrp="1"/>
           </p:cNvSpPr>
@@ -772,7 +772,7 @@
       </p:sp>
       <p:sp>
         <p:nvSpPr>
-          <p:cNvPr id="5" name="Marcador de pie de página 4"/>
+          <p:cNvPr id="5" name="Footer Placeholder 4"/>
           <p:cNvSpPr>
             <a:spLocks noGrp="1"/>
           </p:cNvSpPr>
@@ -791,7 +791,7 @@
       </p:sp>
       <p:sp>
         <p:nvSpPr>
-          <p:cNvPr id="6" name="Marcador de número de diapositiva 5"/>
+          <p:cNvPr id="6" name="Slide Number Placeholder 5"/>
           <p:cNvSpPr>
             <a:spLocks noGrp="1"/>
           </p:cNvSpPr>
@@ -815,7 +815,7 @@
     </p:spTree>
     <p:extLst>
       <p:ext uri="{BB962C8B-B14F-4D97-AF65-F5344CB8AC3E}">
-        <p14:creationId xmlns:p14="http://schemas.microsoft.com/office/powerpoint/2010/main" val="2036866408"/>
+        <p14:creationId xmlns:p14="http://schemas.microsoft.com/office/powerpoint/2010/main" val="228509869"/>
       </p:ext>
     </p:extLst>
   </p:cSld>
@@ -844,7 +844,7 @@
       </p:grpSpPr>
       <p:sp>
         <p:nvSpPr>
-          <p:cNvPr id="2" name="Título 1"/>
+          <p:cNvPr id="2" name="Title 1"/>
           <p:cNvSpPr>
             <a:spLocks noGrp="1"/>
           </p:cNvSpPr>
@@ -854,29 +854,29 @@
         </p:nvSpPr>
         <p:spPr>
           <a:xfrm>
-            <a:off x="831850" y="1709738"/>
-            <a:ext cx="10515600" cy="2852737"/>
+            <a:off x="831851" y="2248387"/>
+            <a:ext cx="10515600" cy="3751481"/>
           </a:xfrm>
         </p:spPr>
         <p:txBody>
           <a:bodyPr anchor="b"/>
           <a:lstStyle>
             <a:lvl1pPr>
-              <a:defRPr sz="6000"/>
+              <a:defRPr sz="7890"/>
             </a:lvl1pPr>
           </a:lstStyle>
           <a:p>
             <a:r>
-              <a:rPr lang="es-ES"/>
+              <a:rPr lang="es-ES" smtClean="0"/>
               <a:t>Haga clic para modificar el estilo de título del patrón</a:t>
             </a:r>
-            <a:endParaRPr lang="en-US"/>
-          </a:p>
-        </p:txBody>
-      </p:sp>
-      <p:sp>
-        <p:nvSpPr>
-          <p:cNvPr id="3" name="Marcador de texto 2"/>
+            <a:endParaRPr lang="en-US" dirty="0"/>
+          </a:p>
+        </p:txBody>
+      </p:sp>
+      <p:sp>
+        <p:nvSpPr>
+          <p:cNvPr id="3" name="Text Placeholder 2"/>
           <p:cNvSpPr>
             <a:spLocks noGrp="1"/>
           </p:cNvSpPr>
@@ -886,8 +886,8 @@
         </p:nvSpPr>
         <p:spPr>
           <a:xfrm>
-            <a:off x="831850" y="4589463"/>
-            <a:ext cx="10515600" cy="1500187"/>
+            <a:off x="831851" y="6035359"/>
+            <a:ext cx="10515600" cy="1972815"/>
           </a:xfrm>
         </p:spPr>
         <p:txBody>
@@ -895,17 +895,15 @@
           <a:lstStyle>
             <a:lvl1pPr marL="0" indent="0">
               <a:buNone/>
-              <a:defRPr sz="2400">
+              <a:defRPr sz="3156">
                 <a:solidFill>
-                  <a:schemeClr val="tx1">
-                    <a:tint val="75000"/>
-                  </a:schemeClr>
+                  <a:schemeClr val="tx1"/>
                 </a:solidFill>
               </a:defRPr>
             </a:lvl1pPr>
-            <a:lvl2pPr marL="457200" indent="0">
-              <a:buNone/>
-              <a:defRPr sz="2000">
+            <a:lvl2pPr marL="601218" indent="0">
+              <a:buNone/>
+              <a:defRPr sz="2630">
                 <a:solidFill>
                   <a:schemeClr val="tx1">
                     <a:tint val="75000"/>
@@ -913,9 +911,9 @@
                 </a:solidFill>
               </a:defRPr>
             </a:lvl2pPr>
-            <a:lvl3pPr marL="914400" indent="0">
-              <a:buNone/>
-              <a:defRPr sz="1800">
+            <a:lvl3pPr marL="1202436" indent="0">
+              <a:buNone/>
+              <a:defRPr sz="2367">
                 <a:solidFill>
                   <a:schemeClr val="tx1">
                     <a:tint val="75000"/>
@@ -923,9 +921,9 @@
                 </a:solidFill>
               </a:defRPr>
             </a:lvl3pPr>
-            <a:lvl4pPr marL="1371600" indent="0">
-              <a:buNone/>
-              <a:defRPr sz="1600">
+            <a:lvl4pPr marL="1803654" indent="0">
+              <a:buNone/>
+              <a:defRPr sz="2104">
                 <a:solidFill>
                   <a:schemeClr val="tx1">
                     <a:tint val="75000"/>
@@ -933,9 +931,9 @@
                 </a:solidFill>
               </a:defRPr>
             </a:lvl4pPr>
-            <a:lvl5pPr marL="1828800" indent="0">
-              <a:buNone/>
-              <a:defRPr sz="1600">
+            <a:lvl5pPr marL="2404872" indent="0">
+              <a:buNone/>
+              <a:defRPr sz="2104">
                 <a:solidFill>
                   <a:schemeClr val="tx1">
                     <a:tint val="75000"/>
@@ -943,9 +941,9 @@
                 </a:solidFill>
               </a:defRPr>
             </a:lvl5pPr>
-            <a:lvl6pPr marL="2286000" indent="0">
-              <a:buNone/>
-              <a:defRPr sz="1600">
+            <a:lvl6pPr marL="3006090" indent="0">
+              <a:buNone/>
+              <a:defRPr sz="2104">
                 <a:solidFill>
                   <a:schemeClr val="tx1">
                     <a:tint val="75000"/>
@@ -953,9 +951,9 @@
                 </a:solidFill>
               </a:defRPr>
             </a:lvl6pPr>
-            <a:lvl7pPr marL="2743200" indent="0">
-              <a:buNone/>
-              <a:defRPr sz="1600">
+            <a:lvl7pPr marL="3607308" indent="0">
+              <a:buNone/>
+              <a:defRPr sz="2104">
                 <a:solidFill>
                   <a:schemeClr val="tx1">
                     <a:tint val="75000"/>
@@ -963,9 +961,9 @@
                 </a:solidFill>
               </a:defRPr>
             </a:lvl7pPr>
-            <a:lvl8pPr marL="3200400" indent="0">
-              <a:buNone/>
-              <a:defRPr sz="1600">
+            <a:lvl8pPr marL="4208526" indent="0">
+              <a:buNone/>
+              <a:defRPr sz="2104">
                 <a:solidFill>
                   <a:schemeClr val="tx1">
                     <a:tint val="75000"/>
@@ -973,9 +971,9 @@
                 </a:solidFill>
               </a:defRPr>
             </a:lvl8pPr>
-            <a:lvl9pPr marL="3657600" indent="0">
-              <a:buNone/>
-              <a:defRPr sz="1600">
+            <a:lvl9pPr marL="4809744" indent="0">
+              <a:buNone/>
+              <a:defRPr sz="2104">
                 <a:solidFill>
                   <a:schemeClr val="tx1">
                     <a:tint val="75000"/>
@@ -987,7 +985,7 @@
           <a:p>
             <a:pPr lvl="0"/>
             <a:r>
-              <a:rPr lang="es-ES"/>
+              <a:rPr lang="es-ES" smtClean="0"/>
               <a:t>Editar el estilo de texto del patrón</a:t>
             </a:r>
           </a:p>
@@ -995,7 +993,7 @@
       </p:sp>
       <p:sp>
         <p:nvSpPr>
-          <p:cNvPr id="4" name="Marcador de fecha 3"/>
+          <p:cNvPr id="4" name="Date Placeholder 3"/>
           <p:cNvSpPr>
             <a:spLocks noGrp="1"/>
           </p:cNvSpPr>
@@ -1018,7 +1016,7 @@
       </p:sp>
       <p:sp>
         <p:nvSpPr>
-          <p:cNvPr id="5" name="Marcador de pie de página 4"/>
+          <p:cNvPr id="5" name="Footer Placeholder 4"/>
           <p:cNvSpPr>
             <a:spLocks noGrp="1"/>
           </p:cNvSpPr>
@@ -1037,7 +1035,7 @@
       </p:sp>
       <p:sp>
         <p:nvSpPr>
-          <p:cNvPr id="6" name="Marcador de número de diapositiva 5"/>
+          <p:cNvPr id="6" name="Slide Number Placeholder 5"/>
           <p:cNvSpPr>
             <a:spLocks noGrp="1"/>
           </p:cNvSpPr>
@@ -1061,7 +1059,7 @@
     </p:spTree>
     <p:extLst>
       <p:ext uri="{BB962C8B-B14F-4D97-AF65-F5344CB8AC3E}">
-        <p14:creationId xmlns:p14="http://schemas.microsoft.com/office/powerpoint/2010/main" val="385145389"/>
+        <p14:creationId xmlns:p14="http://schemas.microsoft.com/office/powerpoint/2010/main" val="4093283831"/>
       </p:ext>
     </p:extLst>
   </p:cSld>
@@ -1090,7 +1088,7 @@
       </p:grpSpPr>
       <p:sp>
         <p:nvSpPr>
-          <p:cNvPr id="2" name="Título 1"/>
+          <p:cNvPr id="2" name="Title 1"/>
           <p:cNvSpPr>
             <a:spLocks noGrp="1"/>
           </p:cNvSpPr>
@@ -1104,16 +1102,16 @@
           <a:lstStyle/>
           <a:p>
             <a:r>
-              <a:rPr lang="es-ES"/>
+              <a:rPr lang="es-ES" smtClean="0"/>
               <a:t>Haga clic para modificar el estilo de título del patrón</a:t>
             </a:r>
-            <a:endParaRPr lang="en-US"/>
-          </a:p>
-        </p:txBody>
-      </p:sp>
-      <p:sp>
-        <p:nvSpPr>
-          <p:cNvPr id="3" name="Marcador de contenido 2"/>
+            <a:endParaRPr lang="en-US" dirty="0"/>
+          </a:p>
+        </p:txBody>
+      </p:sp>
+      <p:sp>
+        <p:nvSpPr>
+          <p:cNvPr id="3" name="Content Placeholder 2"/>
           <p:cNvSpPr>
             <a:spLocks noGrp="1"/>
           </p:cNvSpPr>
@@ -1123,8 +1121,8 @@
         </p:nvSpPr>
         <p:spPr>
           <a:xfrm>
-            <a:off x="838200" y="1825625"/>
-            <a:ext cx="5181600" cy="4351338"/>
+            <a:off x="838200" y="2400782"/>
+            <a:ext cx="5181600" cy="5722211"/>
           </a:xfrm>
         </p:spPr>
         <p:txBody>
@@ -1133,44 +1131,44 @@
           <a:p>
             <a:pPr lvl="0"/>
             <a:r>
-              <a:rPr lang="es-ES"/>
+              <a:rPr lang="es-ES" smtClean="0"/>
               <a:t>Editar el estilo de texto del patrón</a:t>
             </a:r>
           </a:p>
           <a:p>
             <a:pPr lvl="1"/>
             <a:r>
-              <a:rPr lang="es-ES"/>
+              <a:rPr lang="es-ES" smtClean="0"/>
               <a:t>Segundo nivel</a:t>
             </a:r>
           </a:p>
           <a:p>
             <a:pPr lvl="2"/>
             <a:r>
-              <a:rPr lang="es-ES"/>
+              <a:rPr lang="es-ES" smtClean="0"/>
               <a:t>Tercer nivel</a:t>
             </a:r>
           </a:p>
           <a:p>
             <a:pPr lvl="3"/>
             <a:r>
-              <a:rPr lang="es-ES"/>
+              <a:rPr lang="es-ES" smtClean="0"/>
               <a:t>Cuarto nivel</a:t>
             </a:r>
           </a:p>
           <a:p>
             <a:pPr lvl="4"/>
             <a:r>
-              <a:rPr lang="es-ES"/>
+              <a:rPr lang="es-ES" smtClean="0"/>
               <a:t>Quinto nivel</a:t>
             </a:r>
-            <a:endParaRPr lang="en-US"/>
-          </a:p>
-        </p:txBody>
-      </p:sp>
-      <p:sp>
-        <p:nvSpPr>
-          <p:cNvPr id="4" name="Marcador de contenido 3"/>
+            <a:endParaRPr lang="en-US" dirty="0"/>
+          </a:p>
+        </p:txBody>
+      </p:sp>
+      <p:sp>
+        <p:nvSpPr>
+          <p:cNvPr id="4" name="Content Placeholder 3"/>
           <p:cNvSpPr>
             <a:spLocks noGrp="1"/>
           </p:cNvSpPr>
@@ -1180,8 +1178,8 @@
         </p:nvSpPr>
         <p:spPr>
           <a:xfrm>
-            <a:off x="6172200" y="1825625"/>
-            <a:ext cx="5181600" cy="4351338"/>
+            <a:off x="6172200" y="2400782"/>
+            <a:ext cx="5181600" cy="5722211"/>
           </a:xfrm>
         </p:spPr>
         <p:txBody>
@@ -1190,44 +1188,44 @@
           <a:p>
             <a:pPr lvl="0"/>
             <a:r>
-              <a:rPr lang="es-ES"/>
+              <a:rPr lang="es-ES" smtClean="0"/>
               <a:t>Editar el estilo de texto del patrón</a:t>
             </a:r>
           </a:p>
           <a:p>
             <a:pPr lvl="1"/>
             <a:r>
-              <a:rPr lang="es-ES"/>
+              <a:rPr lang="es-ES" smtClean="0"/>
               <a:t>Segundo nivel</a:t>
             </a:r>
           </a:p>
           <a:p>
             <a:pPr lvl="2"/>
             <a:r>
-              <a:rPr lang="es-ES"/>
+              <a:rPr lang="es-ES" smtClean="0"/>
               <a:t>Tercer nivel</a:t>
             </a:r>
           </a:p>
           <a:p>
             <a:pPr lvl="3"/>
             <a:r>
-              <a:rPr lang="es-ES"/>
+              <a:rPr lang="es-ES" smtClean="0"/>
               <a:t>Cuarto nivel</a:t>
             </a:r>
           </a:p>
           <a:p>
             <a:pPr lvl="4"/>
             <a:r>
-              <a:rPr lang="es-ES"/>
+              <a:rPr lang="es-ES" smtClean="0"/>
               <a:t>Quinto nivel</a:t>
             </a:r>
-            <a:endParaRPr lang="en-US"/>
-          </a:p>
-        </p:txBody>
-      </p:sp>
-      <p:sp>
-        <p:nvSpPr>
-          <p:cNvPr id="5" name="Marcador de fecha 4"/>
+            <a:endParaRPr lang="en-US" dirty="0"/>
+          </a:p>
+        </p:txBody>
+      </p:sp>
+      <p:sp>
+        <p:nvSpPr>
+          <p:cNvPr id="5" name="Date Placeholder 4"/>
           <p:cNvSpPr>
             <a:spLocks noGrp="1"/>
           </p:cNvSpPr>
@@ -1250,7 +1248,7 @@
       </p:sp>
       <p:sp>
         <p:nvSpPr>
-          <p:cNvPr id="6" name="Marcador de pie de página 5"/>
+          <p:cNvPr id="6" name="Footer Placeholder 5"/>
           <p:cNvSpPr>
             <a:spLocks noGrp="1"/>
           </p:cNvSpPr>
@@ -1269,7 +1267,7 @@
       </p:sp>
       <p:sp>
         <p:nvSpPr>
-          <p:cNvPr id="7" name="Marcador de número de diapositiva 6"/>
+          <p:cNvPr id="7" name="Slide Number Placeholder 6"/>
           <p:cNvSpPr>
             <a:spLocks noGrp="1"/>
           </p:cNvSpPr>
@@ -1293,7 +1291,7 @@
     </p:spTree>
     <p:extLst>
       <p:ext uri="{BB962C8B-B14F-4D97-AF65-F5344CB8AC3E}">
-        <p14:creationId xmlns:p14="http://schemas.microsoft.com/office/powerpoint/2010/main" val="3277967613"/>
+        <p14:creationId xmlns:p14="http://schemas.microsoft.com/office/powerpoint/2010/main" val="3848761468"/>
       </p:ext>
     </p:extLst>
   </p:cSld>
@@ -1322,7 +1320,7 @@
       </p:grpSpPr>
       <p:sp>
         <p:nvSpPr>
-          <p:cNvPr id="2" name="Título 1"/>
+          <p:cNvPr id="2" name="Title 1"/>
           <p:cNvSpPr>
             <a:spLocks noGrp="1"/>
           </p:cNvSpPr>
@@ -1332,8 +1330,8 @@
         </p:nvSpPr>
         <p:spPr>
           <a:xfrm>
-            <a:off x="839788" y="365125"/>
-            <a:ext cx="10515600" cy="1325563"/>
+            <a:off x="839788" y="480158"/>
+            <a:ext cx="10515600" cy="1743177"/>
           </a:xfrm>
         </p:spPr>
         <p:txBody>
@@ -1341,16 +1339,16 @@
           <a:lstStyle/>
           <a:p>
             <a:r>
-              <a:rPr lang="es-ES"/>
+              <a:rPr lang="es-ES" smtClean="0"/>
               <a:t>Haga clic para modificar el estilo de título del patrón</a:t>
             </a:r>
-            <a:endParaRPr lang="en-US"/>
-          </a:p>
-        </p:txBody>
-      </p:sp>
-      <p:sp>
-        <p:nvSpPr>
-          <p:cNvPr id="3" name="Marcador de texto 2"/>
+            <a:endParaRPr lang="en-US" dirty="0"/>
+          </a:p>
+        </p:txBody>
+      </p:sp>
+      <p:sp>
+        <p:nvSpPr>
+          <p:cNvPr id="3" name="Text Placeholder 2"/>
           <p:cNvSpPr>
             <a:spLocks noGrp="1"/>
           </p:cNvSpPr>
@@ -1360,8 +1358,8 @@
         </p:nvSpPr>
         <p:spPr>
           <a:xfrm>
-            <a:off x="839788" y="1681163"/>
-            <a:ext cx="5157787" cy="823912"/>
+            <a:off x="839789" y="2210808"/>
+            <a:ext cx="5157787" cy="1083482"/>
           </a:xfrm>
         </p:spPr>
         <p:txBody>
@@ -1369,45 +1367,45 @@
           <a:lstStyle>
             <a:lvl1pPr marL="0" indent="0">
               <a:buNone/>
-              <a:defRPr sz="2400" b="1"/>
+              <a:defRPr sz="3156" b="1"/>
             </a:lvl1pPr>
-            <a:lvl2pPr marL="457200" indent="0">
-              <a:buNone/>
-              <a:defRPr sz="2000" b="1"/>
+            <a:lvl2pPr marL="601218" indent="0">
+              <a:buNone/>
+              <a:defRPr sz="2630" b="1"/>
             </a:lvl2pPr>
-            <a:lvl3pPr marL="914400" indent="0">
-              <a:buNone/>
-              <a:defRPr sz="1800" b="1"/>
+            <a:lvl3pPr marL="1202436" indent="0">
+              <a:buNone/>
+              <a:defRPr sz="2367" b="1"/>
             </a:lvl3pPr>
-            <a:lvl4pPr marL="1371600" indent="0">
-              <a:buNone/>
-              <a:defRPr sz="1600" b="1"/>
+            <a:lvl4pPr marL="1803654" indent="0">
+              <a:buNone/>
+              <a:defRPr sz="2104" b="1"/>
             </a:lvl4pPr>
-            <a:lvl5pPr marL="1828800" indent="0">
-              <a:buNone/>
-              <a:defRPr sz="1600" b="1"/>
+            <a:lvl5pPr marL="2404872" indent="0">
+              <a:buNone/>
+              <a:defRPr sz="2104" b="1"/>
             </a:lvl5pPr>
-            <a:lvl6pPr marL="2286000" indent="0">
-              <a:buNone/>
-              <a:defRPr sz="1600" b="1"/>
+            <a:lvl6pPr marL="3006090" indent="0">
+              <a:buNone/>
+              <a:defRPr sz="2104" b="1"/>
             </a:lvl6pPr>
-            <a:lvl7pPr marL="2743200" indent="0">
-              <a:buNone/>
-              <a:defRPr sz="1600" b="1"/>
+            <a:lvl7pPr marL="3607308" indent="0">
+              <a:buNone/>
+              <a:defRPr sz="2104" b="1"/>
             </a:lvl7pPr>
-            <a:lvl8pPr marL="3200400" indent="0">
-              <a:buNone/>
-              <a:defRPr sz="1600" b="1"/>
+            <a:lvl8pPr marL="4208526" indent="0">
+              <a:buNone/>
+              <a:defRPr sz="2104" b="1"/>
             </a:lvl8pPr>
-            <a:lvl9pPr marL="3657600" indent="0">
-              <a:buNone/>
-              <a:defRPr sz="1600" b="1"/>
+            <a:lvl9pPr marL="4809744" indent="0">
+              <a:buNone/>
+              <a:defRPr sz="2104" b="1"/>
             </a:lvl9pPr>
           </a:lstStyle>
           <a:p>
             <a:pPr lvl="0"/>
             <a:r>
-              <a:rPr lang="es-ES"/>
+              <a:rPr lang="es-ES" smtClean="0"/>
               <a:t>Editar el estilo de texto del patrón</a:t>
             </a:r>
           </a:p>
@@ -1415,7 +1413,7 @@
       </p:sp>
       <p:sp>
         <p:nvSpPr>
-          <p:cNvPr id="4" name="Marcador de contenido 3"/>
+          <p:cNvPr id="4" name="Content Placeholder 3"/>
           <p:cNvSpPr>
             <a:spLocks noGrp="1"/>
           </p:cNvSpPr>
@@ -1425,8 +1423,8 @@
         </p:nvSpPr>
         <p:spPr>
           <a:xfrm>
-            <a:off x="839788" y="2505075"/>
-            <a:ext cx="5157787" cy="3684588"/>
+            <a:off x="839789" y="3294290"/>
+            <a:ext cx="5157787" cy="4845404"/>
           </a:xfrm>
         </p:spPr>
         <p:txBody>
@@ -1435,44 +1433,44 @@
           <a:p>
             <a:pPr lvl="0"/>
             <a:r>
-              <a:rPr lang="es-ES"/>
+              <a:rPr lang="es-ES" smtClean="0"/>
               <a:t>Editar el estilo de texto del patrón</a:t>
             </a:r>
           </a:p>
           <a:p>
             <a:pPr lvl="1"/>
             <a:r>
-              <a:rPr lang="es-ES"/>
+              <a:rPr lang="es-ES" smtClean="0"/>
               <a:t>Segundo nivel</a:t>
             </a:r>
           </a:p>
           <a:p>
             <a:pPr lvl="2"/>
             <a:r>
-              <a:rPr lang="es-ES"/>
+              <a:rPr lang="es-ES" smtClean="0"/>
               <a:t>Tercer nivel</a:t>
             </a:r>
           </a:p>
           <a:p>
             <a:pPr lvl="3"/>
             <a:r>
-              <a:rPr lang="es-ES"/>
+              <a:rPr lang="es-ES" smtClean="0"/>
               <a:t>Cuarto nivel</a:t>
             </a:r>
           </a:p>
           <a:p>
             <a:pPr lvl="4"/>
             <a:r>
-              <a:rPr lang="es-ES"/>
+              <a:rPr lang="es-ES" smtClean="0"/>
               <a:t>Quinto nivel</a:t>
             </a:r>
-            <a:endParaRPr lang="en-US"/>
-          </a:p>
-        </p:txBody>
-      </p:sp>
-      <p:sp>
-        <p:nvSpPr>
-          <p:cNvPr id="5" name="Marcador de texto 4"/>
+            <a:endParaRPr lang="en-US" dirty="0"/>
+          </a:p>
+        </p:txBody>
+      </p:sp>
+      <p:sp>
+        <p:nvSpPr>
+          <p:cNvPr id="5" name="Text Placeholder 4"/>
           <p:cNvSpPr>
             <a:spLocks noGrp="1"/>
           </p:cNvSpPr>
@@ -1482,8 +1480,8 @@
         </p:nvSpPr>
         <p:spPr>
           <a:xfrm>
-            <a:off x="6172200" y="1681163"/>
-            <a:ext cx="5183188" cy="823912"/>
+            <a:off x="6172201" y="2210808"/>
+            <a:ext cx="5183188" cy="1083482"/>
           </a:xfrm>
         </p:spPr>
         <p:txBody>
@@ -1491,45 +1489,45 @@
           <a:lstStyle>
             <a:lvl1pPr marL="0" indent="0">
               <a:buNone/>
-              <a:defRPr sz="2400" b="1"/>
+              <a:defRPr sz="3156" b="1"/>
             </a:lvl1pPr>
-            <a:lvl2pPr marL="457200" indent="0">
-              <a:buNone/>
-              <a:defRPr sz="2000" b="1"/>
+            <a:lvl2pPr marL="601218" indent="0">
+              <a:buNone/>
+              <a:defRPr sz="2630" b="1"/>
             </a:lvl2pPr>
-            <a:lvl3pPr marL="914400" indent="0">
-              <a:buNone/>
-              <a:defRPr sz="1800" b="1"/>
+            <a:lvl3pPr marL="1202436" indent="0">
+              <a:buNone/>
+              <a:defRPr sz="2367" b="1"/>
             </a:lvl3pPr>
-            <a:lvl4pPr marL="1371600" indent="0">
-              <a:buNone/>
-              <a:defRPr sz="1600" b="1"/>
+            <a:lvl4pPr marL="1803654" indent="0">
+              <a:buNone/>
+              <a:defRPr sz="2104" b="1"/>
             </a:lvl4pPr>
-            <a:lvl5pPr marL="1828800" indent="0">
-              <a:buNone/>
-              <a:defRPr sz="1600" b="1"/>
+            <a:lvl5pPr marL="2404872" indent="0">
+              <a:buNone/>
+              <a:defRPr sz="2104" b="1"/>
             </a:lvl5pPr>
-            <a:lvl6pPr marL="2286000" indent="0">
-              <a:buNone/>
-              <a:defRPr sz="1600" b="1"/>
+            <a:lvl6pPr marL="3006090" indent="0">
+              <a:buNone/>
+              <a:defRPr sz="2104" b="1"/>
             </a:lvl6pPr>
-            <a:lvl7pPr marL="2743200" indent="0">
-              <a:buNone/>
-              <a:defRPr sz="1600" b="1"/>
+            <a:lvl7pPr marL="3607308" indent="0">
+              <a:buNone/>
+              <a:defRPr sz="2104" b="1"/>
             </a:lvl7pPr>
-            <a:lvl8pPr marL="3200400" indent="0">
-              <a:buNone/>
-              <a:defRPr sz="1600" b="1"/>
+            <a:lvl8pPr marL="4208526" indent="0">
+              <a:buNone/>
+              <a:defRPr sz="2104" b="1"/>
             </a:lvl8pPr>
-            <a:lvl9pPr marL="3657600" indent="0">
-              <a:buNone/>
-              <a:defRPr sz="1600" b="1"/>
+            <a:lvl9pPr marL="4809744" indent="0">
+              <a:buNone/>
+              <a:defRPr sz="2104" b="1"/>
             </a:lvl9pPr>
           </a:lstStyle>
           <a:p>
             <a:pPr lvl="0"/>
             <a:r>
-              <a:rPr lang="es-ES"/>
+              <a:rPr lang="es-ES" smtClean="0"/>
               <a:t>Editar el estilo de texto del patrón</a:t>
             </a:r>
           </a:p>
@@ -1537,7 +1535,7 @@
       </p:sp>
       <p:sp>
         <p:nvSpPr>
-          <p:cNvPr id="6" name="Marcador de contenido 5"/>
+          <p:cNvPr id="6" name="Content Placeholder 5"/>
           <p:cNvSpPr>
             <a:spLocks noGrp="1"/>
           </p:cNvSpPr>
@@ -1547,8 +1545,8 @@
         </p:nvSpPr>
         <p:spPr>
           <a:xfrm>
-            <a:off x="6172200" y="2505075"/>
-            <a:ext cx="5183188" cy="3684588"/>
+            <a:off x="6172201" y="3294290"/>
+            <a:ext cx="5183188" cy="4845404"/>
           </a:xfrm>
         </p:spPr>
         <p:txBody>
@@ -1557,44 +1555,44 @@
           <a:p>
             <a:pPr lvl="0"/>
             <a:r>
-              <a:rPr lang="es-ES"/>
+              <a:rPr lang="es-ES" smtClean="0"/>
               <a:t>Editar el estilo de texto del patrón</a:t>
             </a:r>
           </a:p>
           <a:p>
             <a:pPr lvl="1"/>
             <a:r>
-              <a:rPr lang="es-ES"/>
+              <a:rPr lang="es-ES" smtClean="0"/>
               <a:t>Segundo nivel</a:t>
             </a:r>
           </a:p>
           <a:p>
             <a:pPr lvl="2"/>
             <a:r>
-              <a:rPr lang="es-ES"/>
+              <a:rPr lang="es-ES" smtClean="0"/>
               <a:t>Tercer nivel</a:t>
             </a:r>
           </a:p>
           <a:p>
             <a:pPr lvl="3"/>
             <a:r>
-              <a:rPr lang="es-ES"/>
+              <a:rPr lang="es-ES" smtClean="0"/>
               <a:t>Cuarto nivel</a:t>
             </a:r>
           </a:p>
           <a:p>
             <a:pPr lvl="4"/>
             <a:r>
-              <a:rPr lang="es-ES"/>
+              <a:rPr lang="es-ES" smtClean="0"/>
               <a:t>Quinto nivel</a:t>
             </a:r>
-            <a:endParaRPr lang="en-US"/>
-          </a:p>
-        </p:txBody>
-      </p:sp>
-      <p:sp>
-        <p:nvSpPr>
-          <p:cNvPr id="7" name="Marcador de fecha 6"/>
+            <a:endParaRPr lang="en-US" dirty="0"/>
+          </a:p>
+        </p:txBody>
+      </p:sp>
+      <p:sp>
+        <p:nvSpPr>
+          <p:cNvPr id="7" name="Date Placeholder 6"/>
           <p:cNvSpPr>
             <a:spLocks noGrp="1"/>
           </p:cNvSpPr>
@@ -1617,7 +1615,7 @@
       </p:sp>
       <p:sp>
         <p:nvSpPr>
-          <p:cNvPr id="8" name="Marcador de pie de página 7"/>
+          <p:cNvPr id="8" name="Footer Placeholder 7"/>
           <p:cNvSpPr>
             <a:spLocks noGrp="1"/>
           </p:cNvSpPr>
@@ -1636,7 +1634,7 @@
       </p:sp>
       <p:sp>
         <p:nvSpPr>
-          <p:cNvPr id="9" name="Marcador de número de diapositiva 8"/>
+          <p:cNvPr id="9" name="Slide Number Placeholder 8"/>
           <p:cNvSpPr>
             <a:spLocks noGrp="1"/>
           </p:cNvSpPr>
@@ -1660,7 +1658,7 @@
     </p:spTree>
     <p:extLst>
       <p:ext uri="{BB962C8B-B14F-4D97-AF65-F5344CB8AC3E}">
-        <p14:creationId xmlns:p14="http://schemas.microsoft.com/office/powerpoint/2010/main" val="3268040756"/>
+        <p14:creationId xmlns:p14="http://schemas.microsoft.com/office/powerpoint/2010/main" val="1581250309"/>
       </p:ext>
     </p:extLst>
   </p:cSld>
@@ -1689,7 +1687,7 @@
       </p:grpSpPr>
       <p:sp>
         <p:nvSpPr>
-          <p:cNvPr id="2" name="Título 1"/>
+          <p:cNvPr id="2" name="Title 1"/>
           <p:cNvSpPr>
             <a:spLocks noGrp="1"/>
           </p:cNvSpPr>
@@ -1703,16 +1701,16 @@
           <a:lstStyle/>
           <a:p>
             <a:r>
-              <a:rPr lang="es-ES"/>
+              <a:rPr lang="es-ES" smtClean="0"/>
               <a:t>Haga clic para modificar el estilo de título del patrón</a:t>
             </a:r>
-            <a:endParaRPr lang="en-US"/>
-          </a:p>
-        </p:txBody>
-      </p:sp>
-      <p:sp>
-        <p:nvSpPr>
-          <p:cNvPr id="3" name="Marcador de fecha 2"/>
+            <a:endParaRPr lang="en-US" dirty="0"/>
+          </a:p>
+        </p:txBody>
+      </p:sp>
+      <p:sp>
+        <p:nvSpPr>
+          <p:cNvPr id="3" name="Date Placeholder 2"/>
           <p:cNvSpPr>
             <a:spLocks noGrp="1"/>
           </p:cNvSpPr>
@@ -1735,7 +1733,7 @@
       </p:sp>
       <p:sp>
         <p:nvSpPr>
-          <p:cNvPr id="4" name="Marcador de pie de página 3"/>
+          <p:cNvPr id="4" name="Footer Placeholder 3"/>
           <p:cNvSpPr>
             <a:spLocks noGrp="1"/>
           </p:cNvSpPr>
@@ -1754,7 +1752,7 @@
       </p:sp>
       <p:sp>
         <p:nvSpPr>
-          <p:cNvPr id="5" name="Marcador de número de diapositiva 4"/>
+          <p:cNvPr id="5" name="Slide Number Placeholder 4"/>
           <p:cNvSpPr>
             <a:spLocks noGrp="1"/>
           </p:cNvSpPr>
@@ -1778,7 +1776,7 @@
     </p:spTree>
     <p:extLst>
       <p:ext uri="{BB962C8B-B14F-4D97-AF65-F5344CB8AC3E}">
-        <p14:creationId xmlns:p14="http://schemas.microsoft.com/office/powerpoint/2010/main" val="1399004237"/>
+        <p14:creationId xmlns:p14="http://schemas.microsoft.com/office/powerpoint/2010/main" val="3380485222"/>
       </p:ext>
     </p:extLst>
   </p:cSld>
@@ -1807,7 +1805,7 @@
       </p:grpSpPr>
       <p:sp>
         <p:nvSpPr>
-          <p:cNvPr id="2" name="Marcador de fecha 1"/>
+          <p:cNvPr id="2" name="Date Placeholder 1"/>
           <p:cNvSpPr>
             <a:spLocks noGrp="1"/>
           </p:cNvSpPr>
@@ -1830,7 +1828,7 @@
       </p:sp>
       <p:sp>
         <p:nvSpPr>
-          <p:cNvPr id="3" name="Marcador de pie de página 2"/>
+          <p:cNvPr id="3" name="Footer Placeholder 2"/>
           <p:cNvSpPr>
             <a:spLocks noGrp="1"/>
           </p:cNvSpPr>
@@ -1849,7 +1847,7 @@
       </p:sp>
       <p:sp>
         <p:nvSpPr>
-          <p:cNvPr id="4" name="Marcador de número de diapositiva 3"/>
+          <p:cNvPr id="4" name="Slide Number Placeholder 3"/>
           <p:cNvSpPr>
             <a:spLocks noGrp="1"/>
           </p:cNvSpPr>
@@ -1873,7 +1871,7 @@
     </p:spTree>
     <p:extLst>
       <p:ext uri="{BB962C8B-B14F-4D97-AF65-F5344CB8AC3E}">
-        <p14:creationId xmlns:p14="http://schemas.microsoft.com/office/powerpoint/2010/main" val="1271738816"/>
+        <p14:creationId xmlns:p14="http://schemas.microsoft.com/office/powerpoint/2010/main" val="3680707409"/>
       </p:ext>
     </p:extLst>
   </p:cSld>
@@ -1902,7 +1900,7 @@
       </p:grpSpPr>
       <p:sp>
         <p:nvSpPr>
-          <p:cNvPr id="2" name="Título 1"/>
+          <p:cNvPr id="2" name="Title 1"/>
           <p:cNvSpPr>
             <a:spLocks noGrp="1"/>
           </p:cNvSpPr>
@@ -1912,29 +1910,29 @@
         </p:nvSpPr>
         <p:spPr>
           <a:xfrm>
-            <a:off x="839788" y="457200"/>
-            <a:ext cx="3932237" cy="1600200"/>
+            <a:off x="839788" y="601239"/>
+            <a:ext cx="3932237" cy="2104337"/>
           </a:xfrm>
         </p:spPr>
         <p:txBody>
           <a:bodyPr anchor="b"/>
           <a:lstStyle>
             <a:lvl1pPr>
-              <a:defRPr sz="3200"/>
+              <a:defRPr sz="4208"/>
             </a:lvl1pPr>
           </a:lstStyle>
           <a:p>
             <a:r>
-              <a:rPr lang="es-ES"/>
+              <a:rPr lang="es-ES" smtClean="0"/>
               <a:t>Haga clic para modificar el estilo de título del patrón</a:t>
             </a:r>
-            <a:endParaRPr lang="en-US"/>
-          </a:p>
-        </p:txBody>
-      </p:sp>
-      <p:sp>
-        <p:nvSpPr>
-          <p:cNvPr id="3" name="Marcador de contenido 2"/>
+            <a:endParaRPr lang="en-US" dirty="0"/>
+          </a:p>
+        </p:txBody>
+      </p:sp>
+      <p:sp>
+        <p:nvSpPr>
+          <p:cNvPr id="3" name="Content Placeholder 2"/>
           <p:cNvSpPr>
             <a:spLocks noGrp="1"/>
           </p:cNvSpPr>
@@ -1944,82 +1942,82 @@
         </p:nvSpPr>
         <p:spPr>
           <a:xfrm>
-            <a:off x="5183188" y="987425"/>
-            <a:ext cx="6172200" cy="4873625"/>
+            <a:off x="5183188" y="1298512"/>
+            <a:ext cx="6172200" cy="6409043"/>
           </a:xfrm>
         </p:spPr>
         <p:txBody>
           <a:bodyPr/>
           <a:lstStyle>
             <a:lvl1pPr>
-              <a:defRPr sz="3200"/>
+              <a:defRPr sz="4208"/>
             </a:lvl1pPr>
             <a:lvl2pPr>
-              <a:defRPr sz="2800"/>
+              <a:defRPr sz="3682"/>
             </a:lvl2pPr>
             <a:lvl3pPr>
-              <a:defRPr sz="2400"/>
+              <a:defRPr sz="3156"/>
             </a:lvl3pPr>
             <a:lvl4pPr>
-              <a:defRPr sz="2000"/>
+              <a:defRPr sz="2630"/>
             </a:lvl4pPr>
             <a:lvl5pPr>
-              <a:defRPr sz="2000"/>
+              <a:defRPr sz="2630"/>
             </a:lvl5pPr>
             <a:lvl6pPr>
-              <a:defRPr sz="2000"/>
+              <a:defRPr sz="2630"/>
             </a:lvl6pPr>
             <a:lvl7pPr>
-              <a:defRPr sz="2000"/>
+              <a:defRPr sz="2630"/>
             </a:lvl7pPr>
             <a:lvl8pPr>
-              <a:defRPr sz="2000"/>
+              <a:defRPr sz="2630"/>
             </a:lvl8pPr>
             <a:lvl9pPr>
-              <a:defRPr sz="2000"/>
+              <a:defRPr sz="2630"/>
             </a:lvl9pPr>
           </a:lstStyle>
           <a:p>
             <a:pPr lvl="0"/>
             <a:r>
-              <a:rPr lang="es-ES"/>
+              <a:rPr lang="es-ES" smtClean="0"/>
               <a:t>Editar el estilo de texto del patrón</a:t>
             </a:r>
           </a:p>
           <a:p>
             <a:pPr lvl="1"/>
             <a:r>
-              <a:rPr lang="es-ES"/>
+              <a:rPr lang="es-ES" smtClean="0"/>
               <a:t>Segundo nivel</a:t>
             </a:r>
           </a:p>
           <a:p>
             <a:pPr lvl="2"/>
             <a:r>
-              <a:rPr lang="es-ES"/>
+              <a:rPr lang="es-ES" smtClean="0"/>
               <a:t>Tercer nivel</a:t>
             </a:r>
           </a:p>
           <a:p>
             <a:pPr lvl="3"/>
             <a:r>
-              <a:rPr lang="es-ES"/>
+              <a:rPr lang="es-ES" smtClean="0"/>
               <a:t>Cuarto nivel</a:t>
             </a:r>
           </a:p>
           <a:p>
             <a:pPr lvl="4"/>
             <a:r>
-              <a:rPr lang="es-ES"/>
+              <a:rPr lang="es-ES" smtClean="0"/>
               <a:t>Quinto nivel</a:t>
             </a:r>
-            <a:endParaRPr lang="en-US"/>
-          </a:p>
-        </p:txBody>
-      </p:sp>
-      <p:sp>
-        <p:nvSpPr>
-          <p:cNvPr id="4" name="Marcador de texto 3"/>
+            <a:endParaRPr lang="en-US" dirty="0"/>
+          </a:p>
+        </p:txBody>
+      </p:sp>
+      <p:sp>
+        <p:nvSpPr>
+          <p:cNvPr id="4" name="Text Placeholder 3"/>
           <p:cNvSpPr>
             <a:spLocks noGrp="1"/>
           </p:cNvSpPr>
@@ -2029,8 +2027,8 @@
         </p:nvSpPr>
         <p:spPr>
           <a:xfrm>
-            <a:off x="839788" y="2057400"/>
-            <a:ext cx="3932237" cy="3811588"/>
+            <a:off x="839788" y="2705576"/>
+            <a:ext cx="3932237" cy="5012415"/>
           </a:xfrm>
         </p:spPr>
         <p:txBody>
@@ -2038,45 +2036,45 @@
           <a:lstStyle>
             <a:lvl1pPr marL="0" indent="0">
               <a:buNone/>
-              <a:defRPr sz="1600"/>
+              <a:defRPr sz="2104"/>
             </a:lvl1pPr>
-            <a:lvl2pPr marL="457200" indent="0">
-              <a:buNone/>
-              <a:defRPr sz="1400"/>
+            <a:lvl2pPr marL="601218" indent="0">
+              <a:buNone/>
+              <a:defRPr sz="1841"/>
             </a:lvl2pPr>
-            <a:lvl3pPr marL="914400" indent="0">
-              <a:buNone/>
-              <a:defRPr sz="1200"/>
+            <a:lvl3pPr marL="1202436" indent="0">
+              <a:buNone/>
+              <a:defRPr sz="1578"/>
             </a:lvl3pPr>
-            <a:lvl4pPr marL="1371600" indent="0">
-              <a:buNone/>
-              <a:defRPr sz="1000"/>
+            <a:lvl4pPr marL="1803654" indent="0">
+              <a:buNone/>
+              <a:defRPr sz="1315"/>
             </a:lvl4pPr>
-            <a:lvl5pPr marL="1828800" indent="0">
-              <a:buNone/>
-              <a:defRPr sz="1000"/>
+            <a:lvl5pPr marL="2404872" indent="0">
+              <a:buNone/>
+              <a:defRPr sz="1315"/>
             </a:lvl5pPr>
-            <a:lvl6pPr marL="2286000" indent="0">
-              <a:buNone/>
-              <a:defRPr sz="1000"/>
+            <a:lvl6pPr marL="3006090" indent="0">
+              <a:buNone/>
+              <a:defRPr sz="1315"/>
             </a:lvl6pPr>
-            <a:lvl7pPr marL="2743200" indent="0">
-              <a:buNone/>
-              <a:defRPr sz="1000"/>
+            <a:lvl7pPr marL="3607308" indent="0">
+              <a:buNone/>
+              <a:defRPr sz="1315"/>
             </a:lvl7pPr>
-            <a:lvl8pPr marL="3200400" indent="0">
-              <a:buNone/>
-              <a:defRPr sz="1000"/>
+            <a:lvl8pPr marL="4208526" indent="0">
+              <a:buNone/>
+              <a:defRPr sz="1315"/>
             </a:lvl8pPr>
-            <a:lvl9pPr marL="3657600" indent="0">
-              <a:buNone/>
-              <a:defRPr sz="1000"/>
+            <a:lvl9pPr marL="4809744" indent="0">
+              <a:buNone/>
+              <a:defRPr sz="1315"/>
             </a:lvl9pPr>
           </a:lstStyle>
           <a:p>
             <a:pPr lvl="0"/>
             <a:r>
-              <a:rPr lang="es-ES"/>
+              <a:rPr lang="es-ES" smtClean="0"/>
               <a:t>Editar el estilo de texto del patrón</a:t>
             </a:r>
           </a:p>
@@ -2084,7 +2082,7 @@
       </p:sp>
       <p:sp>
         <p:nvSpPr>
-          <p:cNvPr id="5" name="Marcador de fecha 4"/>
+          <p:cNvPr id="5" name="Date Placeholder 4"/>
           <p:cNvSpPr>
             <a:spLocks noGrp="1"/>
           </p:cNvSpPr>
@@ -2107,7 +2105,7 @@
       </p:sp>
       <p:sp>
         <p:nvSpPr>
-          <p:cNvPr id="6" name="Marcador de pie de página 5"/>
+          <p:cNvPr id="6" name="Footer Placeholder 5"/>
           <p:cNvSpPr>
             <a:spLocks noGrp="1"/>
           </p:cNvSpPr>
@@ -2126,7 +2124,7 @@
       </p:sp>
       <p:sp>
         <p:nvSpPr>
-          <p:cNvPr id="7" name="Marcador de número de diapositiva 6"/>
+          <p:cNvPr id="7" name="Slide Number Placeholder 6"/>
           <p:cNvSpPr>
             <a:spLocks noGrp="1"/>
           </p:cNvSpPr>
@@ -2150,7 +2148,7 @@
     </p:spTree>
     <p:extLst>
       <p:ext uri="{BB962C8B-B14F-4D97-AF65-F5344CB8AC3E}">
-        <p14:creationId xmlns:p14="http://schemas.microsoft.com/office/powerpoint/2010/main" val="2159258402"/>
+        <p14:creationId xmlns:p14="http://schemas.microsoft.com/office/powerpoint/2010/main" val="2669719422"/>
       </p:ext>
     </p:extLst>
   </p:cSld>
@@ -2179,7 +2177,7 @@
       </p:grpSpPr>
       <p:sp>
         <p:nvSpPr>
-          <p:cNvPr id="2" name="Título 1"/>
+          <p:cNvPr id="2" name="Title 1"/>
           <p:cNvSpPr>
             <a:spLocks noGrp="1"/>
           </p:cNvSpPr>
@@ -2189,40 +2187,105 @@
         </p:nvSpPr>
         <p:spPr>
           <a:xfrm>
-            <a:off x="839788" y="457200"/>
-            <a:ext cx="3932237" cy="1600200"/>
+            <a:off x="839788" y="601239"/>
+            <a:ext cx="3932237" cy="2104337"/>
           </a:xfrm>
         </p:spPr>
         <p:txBody>
           <a:bodyPr anchor="b"/>
           <a:lstStyle>
             <a:lvl1pPr>
-              <a:defRPr sz="3200"/>
+              <a:defRPr sz="4208"/>
             </a:lvl1pPr>
           </a:lstStyle>
           <a:p>
             <a:r>
-              <a:rPr lang="es-ES"/>
+              <a:rPr lang="es-ES" smtClean="0"/>
               <a:t>Haga clic para modificar el estilo de título del patrón</a:t>
             </a:r>
-            <a:endParaRPr lang="en-US"/>
-          </a:p>
-        </p:txBody>
-      </p:sp>
-      <p:sp>
-        <p:nvSpPr>
-          <p:cNvPr id="3" name="Marcador de posición de imagen 2"/>
+            <a:endParaRPr lang="en-US" dirty="0"/>
+          </a:p>
+        </p:txBody>
+      </p:sp>
+      <p:sp>
+        <p:nvSpPr>
+          <p:cNvPr id="3" name="Picture Placeholder 2"/>
+          <p:cNvSpPr>
+            <a:spLocks noGrp="1" noChangeAspect="1"/>
+          </p:cNvSpPr>
+          <p:nvPr>
+            <p:ph type="pic" idx="1"/>
+          </p:nvPr>
+        </p:nvSpPr>
+        <p:spPr>
+          <a:xfrm>
+            <a:off x="5183188" y="1298512"/>
+            <a:ext cx="6172200" cy="6409043"/>
+          </a:xfrm>
+        </p:spPr>
+        <p:txBody>
+          <a:bodyPr anchor="t"/>
+          <a:lstStyle>
+            <a:lvl1pPr marL="0" indent="0">
+              <a:buNone/>
+              <a:defRPr sz="4208"/>
+            </a:lvl1pPr>
+            <a:lvl2pPr marL="601218" indent="0">
+              <a:buNone/>
+              <a:defRPr sz="3682"/>
+            </a:lvl2pPr>
+            <a:lvl3pPr marL="1202436" indent="0">
+              <a:buNone/>
+              <a:defRPr sz="3156"/>
+            </a:lvl3pPr>
+            <a:lvl4pPr marL="1803654" indent="0">
+              <a:buNone/>
+              <a:defRPr sz="2630"/>
+            </a:lvl4pPr>
+            <a:lvl5pPr marL="2404872" indent="0">
+              <a:buNone/>
+              <a:defRPr sz="2630"/>
+            </a:lvl5pPr>
+            <a:lvl6pPr marL="3006090" indent="0">
+              <a:buNone/>
+              <a:defRPr sz="2630"/>
+            </a:lvl6pPr>
+            <a:lvl7pPr marL="3607308" indent="0">
+              <a:buNone/>
+              <a:defRPr sz="2630"/>
+            </a:lvl7pPr>
+            <a:lvl8pPr marL="4208526" indent="0">
+              <a:buNone/>
+              <a:defRPr sz="2630"/>
+            </a:lvl8pPr>
+            <a:lvl9pPr marL="4809744" indent="0">
+              <a:buNone/>
+              <a:defRPr sz="2630"/>
+            </a:lvl9pPr>
+          </a:lstStyle>
+          <a:p>
+            <a:r>
+              <a:rPr lang="es-ES" smtClean="0"/>
+              <a:t>Haga clic en el icono para agregar una imagen</a:t>
+            </a:r>
+            <a:endParaRPr lang="en-US" dirty="0"/>
+          </a:p>
+        </p:txBody>
+      </p:sp>
+      <p:sp>
+        <p:nvSpPr>
+          <p:cNvPr id="4" name="Text Placeholder 3"/>
           <p:cNvSpPr>
             <a:spLocks noGrp="1"/>
           </p:cNvSpPr>
           <p:nvPr>
-            <p:ph type="pic" idx="1"/>
-          </p:nvPr>
-        </p:nvSpPr>
-        <p:spPr>
-          <a:xfrm>
-            <a:off x="5183188" y="987425"/>
-            <a:ext cx="6172200" cy="4873625"/>
+            <p:ph type="body" sz="half" idx="2"/>
+          </p:nvPr>
+        </p:nvSpPr>
+        <p:spPr>
+          <a:xfrm>
+            <a:off x="839788" y="2705576"/>
+            <a:ext cx="3932237" cy="5012415"/>
           </a:xfrm>
         </p:spPr>
         <p:txBody>
@@ -2230,106 +2293,45 @@
           <a:lstStyle>
             <a:lvl1pPr marL="0" indent="0">
               <a:buNone/>
-              <a:defRPr sz="3200"/>
+              <a:defRPr sz="2104"/>
             </a:lvl1pPr>
-            <a:lvl2pPr marL="457200" indent="0">
-              <a:buNone/>
-              <a:defRPr sz="2800"/>
+            <a:lvl2pPr marL="601218" indent="0">
+              <a:buNone/>
+              <a:defRPr sz="1841"/>
             </a:lvl2pPr>
-            <a:lvl3pPr marL="914400" indent="0">
-              <a:buNone/>
-              <a:defRPr sz="2400"/>
+            <a:lvl3pPr marL="1202436" indent="0">
+              <a:buNone/>
+              <a:defRPr sz="1578"/>
             </a:lvl3pPr>
-            <a:lvl4pPr marL="1371600" indent="0">
-              <a:buNone/>
-              <a:defRPr sz="2000"/>
+            <a:lvl4pPr marL="1803654" indent="0">
+              <a:buNone/>
+              <a:defRPr sz="1315"/>
             </a:lvl4pPr>
-            <a:lvl5pPr marL="1828800" indent="0">
-              <a:buNone/>
-              <a:defRPr sz="2000"/>
+            <a:lvl5pPr marL="2404872" indent="0">
+              <a:buNone/>
+              <a:defRPr sz="1315"/>
             </a:lvl5pPr>
-            <a:lvl6pPr marL="2286000" indent="0">
-              <a:buNone/>
-              <a:defRPr sz="2000"/>
+            <a:lvl6pPr marL="3006090" indent="0">
+              <a:buNone/>
+              <a:defRPr sz="1315"/>
             </a:lvl6pPr>
-            <a:lvl7pPr marL="2743200" indent="0">
-              <a:buNone/>
-              <a:defRPr sz="2000"/>
+            <a:lvl7pPr marL="3607308" indent="0">
+              <a:buNone/>
+              <a:defRPr sz="1315"/>
             </a:lvl7pPr>
-            <a:lvl8pPr marL="3200400" indent="0">
-              <a:buNone/>
-              <a:defRPr sz="2000"/>
+            <a:lvl8pPr marL="4208526" indent="0">
+              <a:buNone/>
+              <a:defRPr sz="1315"/>
             </a:lvl8pPr>
-            <a:lvl9pPr marL="3657600" indent="0">
-              <a:buNone/>
-              <a:defRPr sz="2000"/>
+            <a:lvl9pPr marL="4809744" indent="0">
+              <a:buNone/>
+              <a:defRPr sz="1315"/>
             </a:lvl9pPr>
           </a:lstStyle>
           <a:p>
-            <a:endParaRPr lang="en-US"/>
-          </a:p>
-        </p:txBody>
-      </p:sp>
-      <p:sp>
-        <p:nvSpPr>
-          <p:cNvPr id="4" name="Marcador de texto 3"/>
-          <p:cNvSpPr>
-            <a:spLocks noGrp="1"/>
-          </p:cNvSpPr>
-          <p:nvPr>
-            <p:ph type="body" sz="half" idx="2"/>
-          </p:nvPr>
-        </p:nvSpPr>
-        <p:spPr>
-          <a:xfrm>
-            <a:off x="839788" y="2057400"/>
-            <a:ext cx="3932237" cy="3811588"/>
-          </a:xfrm>
-        </p:spPr>
-        <p:txBody>
-          <a:bodyPr/>
-          <a:lstStyle>
-            <a:lvl1pPr marL="0" indent="0">
-              <a:buNone/>
-              <a:defRPr sz="1600"/>
-            </a:lvl1pPr>
-            <a:lvl2pPr marL="457200" indent="0">
-              <a:buNone/>
-              <a:defRPr sz="1400"/>
-            </a:lvl2pPr>
-            <a:lvl3pPr marL="914400" indent="0">
-              <a:buNone/>
-              <a:defRPr sz="1200"/>
-            </a:lvl3pPr>
-            <a:lvl4pPr marL="1371600" indent="0">
-              <a:buNone/>
-              <a:defRPr sz="1000"/>
-            </a:lvl4pPr>
-            <a:lvl5pPr marL="1828800" indent="0">
-              <a:buNone/>
-              <a:defRPr sz="1000"/>
-            </a:lvl5pPr>
-            <a:lvl6pPr marL="2286000" indent="0">
-              <a:buNone/>
-              <a:defRPr sz="1000"/>
-            </a:lvl6pPr>
-            <a:lvl7pPr marL="2743200" indent="0">
-              <a:buNone/>
-              <a:defRPr sz="1000"/>
-            </a:lvl7pPr>
-            <a:lvl8pPr marL="3200400" indent="0">
-              <a:buNone/>
-              <a:defRPr sz="1000"/>
-            </a:lvl8pPr>
-            <a:lvl9pPr marL="3657600" indent="0">
-              <a:buNone/>
-              <a:defRPr sz="1000"/>
-            </a:lvl9pPr>
-          </a:lstStyle>
-          <a:p>
             <a:pPr lvl="0"/>
             <a:r>
-              <a:rPr lang="es-ES"/>
+              <a:rPr lang="es-ES" smtClean="0"/>
               <a:t>Editar el estilo de texto del patrón</a:t>
             </a:r>
           </a:p>
@@ -2337,7 +2339,7 @@
       </p:sp>
       <p:sp>
         <p:nvSpPr>
-          <p:cNvPr id="5" name="Marcador de fecha 4"/>
+          <p:cNvPr id="5" name="Date Placeholder 4"/>
           <p:cNvSpPr>
             <a:spLocks noGrp="1"/>
           </p:cNvSpPr>
@@ -2360,7 +2362,7 @@
       </p:sp>
       <p:sp>
         <p:nvSpPr>
-          <p:cNvPr id="6" name="Marcador de pie de página 5"/>
+          <p:cNvPr id="6" name="Footer Placeholder 5"/>
           <p:cNvSpPr>
             <a:spLocks noGrp="1"/>
           </p:cNvSpPr>
@@ -2379,7 +2381,7 @@
       </p:sp>
       <p:sp>
         <p:nvSpPr>
-          <p:cNvPr id="7" name="Marcador de número de diapositiva 6"/>
+          <p:cNvPr id="7" name="Slide Number Placeholder 6"/>
           <p:cNvSpPr>
             <a:spLocks noGrp="1"/>
           </p:cNvSpPr>
@@ -2403,7 +2405,7 @@
     </p:spTree>
     <p:extLst>
       <p:ext uri="{BB962C8B-B14F-4D97-AF65-F5344CB8AC3E}">
-        <p14:creationId xmlns:p14="http://schemas.microsoft.com/office/powerpoint/2010/main" val="453967923"/>
+        <p14:creationId xmlns:p14="http://schemas.microsoft.com/office/powerpoint/2010/main" val="1699142014"/>
       </p:ext>
     </p:extLst>
   </p:cSld>
@@ -2437,7 +2439,7 @@
       </p:grpSpPr>
       <p:sp>
         <p:nvSpPr>
-          <p:cNvPr id="2" name="Marcador de título 1"/>
+          <p:cNvPr id="2" name="Title Placeholder 1"/>
           <p:cNvSpPr>
             <a:spLocks noGrp="1"/>
           </p:cNvSpPr>
@@ -2447,8 +2449,8 @@
         </p:nvSpPr>
         <p:spPr>
           <a:xfrm>
-            <a:off x="838200" y="365125"/>
-            <a:ext cx="10515600" cy="1325563"/>
+            <a:off x="838200" y="480158"/>
+            <a:ext cx="10515600" cy="1743177"/>
           </a:xfrm>
           <a:prstGeom prst="rect">
             <a:avLst/>
@@ -2461,16 +2463,16 @@
           <a:lstStyle/>
           <a:p>
             <a:r>
-              <a:rPr lang="es-ES"/>
+              <a:rPr lang="es-ES" smtClean="0"/>
               <a:t>Haga clic para modificar el estilo de título del patrón</a:t>
             </a:r>
-            <a:endParaRPr lang="en-US"/>
-          </a:p>
-        </p:txBody>
-      </p:sp>
-      <p:sp>
-        <p:nvSpPr>
-          <p:cNvPr id="3" name="Marcador de texto 2"/>
+            <a:endParaRPr lang="en-US" dirty="0"/>
+          </a:p>
+        </p:txBody>
+      </p:sp>
+      <p:sp>
+        <p:nvSpPr>
+          <p:cNvPr id="3" name="Text Placeholder 2"/>
           <p:cNvSpPr>
             <a:spLocks noGrp="1"/>
           </p:cNvSpPr>
@@ -2480,8 +2482,8 @@
         </p:nvSpPr>
         <p:spPr>
           <a:xfrm>
-            <a:off x="838200" y="1825625"/>
-            <a:ext cx="10515600" cy="4351338"/>
+            <a:off x="838200" y="2400782"/>
+            <a:ext cx="10515600" cy="5722211"/>
           </a:xfrm>
           <a:prstGeom prst="rect">
             <a:avLst/>
@@ -2495,44 +2497,44 @@
           <a:p>
             <a:pPr lvl="0"/>
             <a:r>
-              <a:rPr lang="es-ES"/>
+              <a:rPr lang="es-ES" smtClean="0"/>
               <a:t>Editar el estilo de texto del patrón</a:t>
             </a:r>
           </a:p>
           <a:p>
             <a:pPr lvl="1"/>
             <a:r>
-              <a:rPr lang="es-ES"/>
+              <a:rPr lang="es-ES" smtClean="0"/>
               <a:t>Segundo nivel</a:t>
             </a:r>
           </a:p>
           <a:p>
             <a:pPr lvl="2"/>
             <a:r>
-              <a:rPr lang="es-ES"/>
+              <a:rPr lang="es-ES" smtClean="0"/>
               <a:t>Tercer nivel</a:t>
             </a:r>
           </a:p>
           <a:p>
             <a:pPr lvl="3"/>
             <a:r>
-              <a:rPr lang="es-ES"/>
+              <a:rPr lang="es-ES" smtClean="0"/>
               <a:t>Cuarto nivel</a:t>
             </a:r>
           </a:p>
           <a:p>
             <a:pPr lvl="4"/>
             <a:r>
-              <a:rPr lang="es-ES"/>
+              <a:rPr lang="es-ES" smtClean="0"/>
               <a:t>Quinto nivel</a:t>
             </a:r>
-            <a:endParaRPr lang="en-US"/>
-          </a:p>
-        </p:txBody>
-      </p:sp>
-      <p:sp>
-        <p:nvSpPr>
-          <p:cNvPr id="4" name="Marcador de fecha 3"/>
+            <a:endParaRPr lang="en-US" dirty="0"/>
+          </a:p>
+        </p:txBody>
+      </p:sp>
+      <p:sp>
+        <p:nvSpPr>
+          <p:cNvPr id="4" name="Date Placeholder 3"/>
           <p:cNvSpPr>
             <a:spLocks noGrp="1"/>
           </p:cNvSpPr>
@@ -2542,8 +2544,8 @@
         </p:nvSpPr>
         <p:spPr>
           <a:xfrm>
-            <a:off x="838200" y="6356350"/>
-            <a:ext cx="2743200" cy="365125"/>
+            <a:off x="838200" y="8358897"/>
+            <a:ext cx="2743200" cy="480156"/>
           </a:xfrm>
           <a:prstGeom prst="rect">
             <a:avLst/>
@@ -2553,7 +2555,7 @@
           <a:bodyPr vert="horz" lIns="91440" tIns="45720" rIns="91440" bIns="45720" rtlCol="0" anchor="ctr"/>
           <a:lstStyle>
             <a:lvl1pPr algn="l">
-              <a:defRPr sz="1200">
+              <a:defRPr sz="1578">
                 <a:solidFill>
                   <a:schemeClr val="tx1">
                     <a:tint val="75000"/>
@@ -2573,7 +2575,7 @@
       </p:sp>
       <p:sp>
         <p:nvSpPr>
-          <p:cNvPr id="5" name="Marcador de pie de página 4"/>
+          <p:cNvPr id="5" name="Footer Placeholder 4"/>
           <p:cNvSpPr>
             <a:spLocks noGrp="1"/>
           </p:cNvSpPr>
@@ -2583,8 +2585,8 @@
         </p:nvSpPr>
         <p:spPr>
           <a:xfrm>
-            <a:off x="4038600" y="6356350"/>
-            <a:ext cx="4114800" cy="365125"/>
+            <a:off x="4038600" y="8358897"/>
+            <a:ext cx="4114800" cy="480156"/>
           </a:xfrm>
           <a:prstGeom prst="rect">
             <a:avLst/>
@@ -2594,7 +2596,7 @@
           <a:bodyPr vert="horz" lIns="91440" tIns="45720" rIns="91440" bIns="45720" rtlCol="0" anchor="ctr"/>
           <a:lstStyle>
             <a:lvl1pPr algn="ctr">
-              <a:defRPr sz="1200">
+              <a:defRPr sz="1578">
                 <a:solidFill>
                   <a:schemeClr val="tx1">
                     <a:tint val="75000"/>
@@ -2610,7 +2612,7 @@
       </p:sp>
       <p:sp>
         <p:nvSpPr>
-          <p:cNvPr id="6" name="Marcador de número de diapositiva 5"/>
+          <p:cNvPr id="6" name="Slide Number Placeholder 5"/>
           <p:cNvSpPr>
             <a:spLocks noGrp="1"/>
           </p:cNvSpPr>
@@ -2620,8 +2622,8 @@
         </p:nvSpPr>
         <p:spPr>
           <a:xfrm>
-            <a:off x="8610600" y="6356350"/>
-            <a:ext cx="2743200" cy="365125"/>
+            <a:off x="8610600" y="8358897"/>
+            <a:ext cx="2743200" cy="480156"/>
           </a:xfrm>
           <a:prstGeom prst="rect">
             <a:avLst/>
@@ -2631,7 +2633,7 @@
           <a:bodyPr vert="horz" lIns="91440" tIns="45720" rIns="91440" bIns="45720" rtlCol="0" anchor="ctr"/>
           <a:lstStyle>
             <a:lvl1pPr algn="r">
-              <a:defRPr sz="1200">
+              <a:defRPr sz="1578">
                 <a:solidFill>
                   <a:schemeClr val="tx1">
                     <a:tint val="75000"/>
@@ -2652,27 +2654,27 @@
     </p:spTree>
     <p:extLst>
       <p:ext uri="{BB962C8B-B14F-4D97-AF65-F5344CB8AC3E}">
-        <p14:creationId xmlns:p14="http://schemas.microsoft.com/office/powerpoint/2010/main" val="842472051"/>
+        <p14:creationId xmlns:p14="http://schemas.microsoft.com/office/powerpoint/2010/main" val="3933176175"/>
       </p:ext>
     </p:extLst>
   </p:cSld>
   <p:clrMap bg1="lt1" tx1="dk1" bg2="lt2" tx2="dk2" accent1="accent1" accent2="accent2" accent3="accent3" accent4="accent4" accent5="accent5" accent6="accent6" hlink="hlink" folHlink="folHlink"/>
   <p:sldLayoutIdLst>
-    <p:sldLayoutId id="2147483649" r:id="rId1"/>
-    <p:sldLayoutId id="2147483650" r:id="rId2"/>
-    <p:sldLayoutId id="2147483651" r:id="rId3"/>
-    <p:sldLayoutId id="2147483652" r:id="rId4"/>
-    <p:sldLayoutId id="2147483653" r:id="rId5"/>
-    <p:sldLayoutId id="2147483654" r:id="rId6"/>
-    <p:sldLayoutId id="2147483655" r:id="rId7"/>
-    <p:sldLayoutId id="2147483656" r:id="rId8"/>
-    <p:sldLayoutId id="2147483657" r:id="rId9"/>
-    <p:sldLayoutId id="2147483658" r:id="rId10"/>
-    <p:sldLayoutId id="2147483659" r:id="rId11"/>
+    <p:sldLayoutId id="2147483661" r:id="rId1"/>
+    <p:sldLayoutId id="2147483662" r:id="rId2"/>
+    <p:sldLayoutId id="2147483663" r:id="rId3"/>
+    <p:sldLayoutId id="2147483664" r:id="rId4"/>
+    <p:sldLayoutId id="2147483665" r:id="rId5"/>
+    <p:sldLayoutId id="2147483666" r:id="rId6"/>
+    <p:sldLayoutId id="2147483667" r:id="rId7"/>
+    <p:sldLayoutId id="2147483668" r:id="rId8"/>
+    <p:sldLayoutId id="2147483669" r:id="rId9"/>
+    <p:sldLayoutId id="2147483670" r:id="rId10"/>
+    <p:sldLayoutId id="2147483671" r:id="rId11"/>
   </p:sldLayoutIdLst>
   <p:txStyles>
     <p:titleStyle>
-      <a:lvl1pPr algn="l" defTabSz="914400" rtl="0" eaLnBrk="1" latinLnBrk="0" hangingPunct="1">
+      <a:lvl1pPr algn="l" defTabSz="1202436" rtl="0" eaLnBrk="1" latinLnBrk="0" hangingPunct="1">
         <a:lnSpc>
           <a:spcPct val="90000"/>
         </a:lnSpc>
@@ -2680,7 +2682,7 @@
           <a:spcPct val="0"/>
         </a:spcBef>
         <a:buNone/>
-        <a:defRPr sz="4400" kern="1200">
+        <a:defRPr sz="5786" kern="1200">
           <a:solidFill>
             <a:schemeClr val="tx1"/>
           </a:solidFill>
@@ -2691,16 +2693,16 @@
       </a:lvl1pPr>
     </p:titleStyle>
     <p:bodyStyle>
-      <a:lvl1pPr marL="228600" indent="-228600" algn="l" defTabSz="914400" rtl="0" eaLnBrk="1" latinLnBrk="0" hangingPunct="1">
+      <a:lvl1pPr marL="300609" indent="-300609" algn="l" defTabSz="1202436" rtl="0" eaLnBrk="1" latinLnBrk="0" hangingPunct="1">
         <a:lnSpc>
           <a:spcPct val="90000"/>
         </a:lnSpc>
         <a:spcBef>
-          <a:spcPts val="1000"/>
+          <a:spcPts val="1315"/>
         </a:spcBef>
         <a:buFont typeface="Arial" panose="020B0604020202020204" pitchFamily="34" charset="0"/>
         <a:buChar char="•"/>
-        <a:defRPr sz="2800" kern="1200">
+        <a:defRPr sz="3682" kern="1200">
           <a:solidFill>
             <a:schemeClr val="tx1"/>
           </a:solidFill>
@@ -2709,16 +2711,16 @@
           <a:cs typeface="+mn-cs"/>
         </a:defRPr>
       </a:lvl1pPr>
-      <a:lvl2pPr marL="685800" indent="-228600" algn="l" defTabSz="914400" rtl="0" eaLnBrk="1" latinLnBrk="0" hangingPunct="1">
+      <a:lvl2pPr marL="901827" indent="-300609" algn="l" defTabSz="1202436" rtl="0" eaLnBrk="1" latinLnBrk="0" hangingPunct="1">
         <a:lnSpc>
           <a:spcPct val="90000"/>
         </a:lnSpc>
         <a:spcBef>
-          <a:spcPts val="500"/>
+          <a:spcPts val="658"/>
         </a:spcBef>
         <a:buFont typeface="Arial" panose="020B0604020202020204" pitchFamily="34" charset="0"/>
         <a:buChar char="•"/>
-        <a:defRPr sz="2400" kern="1200">
+        <a:defRPr sz="3156" kern="1200">
           <a:solidFill>
             <a:schemeClr val="tx1"/>
           </a:solidFill>
@@ -2727,16 +2729,16 @@
           <a:cs typeface="+mn-cs"/>
         </a:defRPr>
       </a:lvl2pPr>
-      <a:lvl3pPr marL="1143000" indent="-228600" algn="l" defTabSz="914400" rtl="0" eaLnBrk="1" latinLnBrk="0" hangingPunct="1">
+      <a:lvl3pPr marL="1503045" indent="-300609" algn="l" defTabSz="1202436" rtl="0" eaLnBrk="1" latinLnBrk="0" hangingPunct="1">
         <a:lnSpc>
           <a:spcPct val="90000"/>
         </a:lnSpc>
         <a:spcBef>
-          <a:spcPts val="500"/>
+          <a:spcPts val="658"/>
         </a:spcBef>
         <a:buFont typeface="Arial" panose="020B0604020202020204" pitchFamily="34" charset="0"/>
         <a:buChar char="•"/>
-        <a:defRPr sz="2000" kern="1200">
+        <a:defRPr sz="2630" kern="1200">
           <a:solidFill>
             <a:schemeClr val="tx1"/>
           </a:solidFill>
@@ -2745,16 +2747,16 @@
           <a:cs typeface="+mn-cs"/>
         </a:defRPr>
       </a:lvl3pPr>
-      <a:lvl4pPr marL="1600200" indent="-228600" algn="l" defTabSz="914400" rtl="0" eaLnBrk="1" latinLnBrk="0" hangingPunct="1">
+      <a:lvl4pPr marL="2104263" indent="-300609" algn="l" defTabSz="1202436" rtl="0" eaLnBrk="1" latinLnBrk="0" hangingPunct="1">
         <a:lnSpc>
           <a:spcPct val="90000"/>
         </a:lnSpc>
         <a:spcBef>
-          <a:spcPts val="500"/>
+          <a:spcPts val="658"/>
         </a:spcBef>
         <a:buFont typeface="Arial" panose="020B0604020202020204" pitchFamily="34" charset="0"/>
         <a:buChar char="•"/>
-        <a:defRPr sz="1800" kern="1200">
+        <a:defRPr sz="2367" kern="1200">
           <a:solidFill>
             <a:schemeClr val="tx1"/>
           </a:solidFill>
@@ -2763,16 +2765,16 @@
           <a:cs typeface="+mn-cs"/>
         </a:defRPr>
       </a:lvl4pPr>
-      <a:lvl5pPr marL="2057400" indent="-228600" algn="l" defTabSz="914400" rtl="0" eaLnBrk="1" latinLnBrk="0" hangingPunct="1">
+      <a:lvl5pPr marL="2705481" indent="-300609" algn="l" defTabSz="1202436" rtl="0" eaLnBrk="1" latinLnBrk="0" hangingPunct="1">
         <a:lnSpc>
           <a:spcPct val="90000"/>
         </a:lnSpc>
         <a:spcBef>
-          <a:spcPts val="500"/>
+          <a:spcPts val="658"/>
         </a:spcBef>
         <a:buFont typeface="Arial" panose="020B0604020202020204" pitchFamily="34" charset="0"/>
         <a:buChar char="•"/>
-        <a:defRPr sz="1800" kern="1200">
+        <a:defRPr sz="2367" kern="1200">
           <a:solidFill>
             <a:schemeClr val="tx1"/>
           </a:solidFill>
@@ -2781,16 +2783,16 @@
           <a:cs typeface="+mn-cs"/>
         </a:defRPr>
       </a:lvl5pPr>
-      <a:lvl6pPr marL="2514600" indent="-228600" algn="l" defTabSz="914400" rtl="0" eaLnBrk="1" latinLnBrk="0" hangingPunct="1">
+      <a:lvl6pPr marL="3306699" indent="-300609" algn="l" defTabSz="1202436" rtl="0" eaLnBrk="1" latinLnBrk="0" hangingPunct="1">
         <a:lnSpc>
           <a:spcPct val="90000"/>
         </a:lnSpc>
         <a:spcBef>
-          <a:spcPts val="500"/>
+          <a:spcPts val="658"/>
         </a:spcBef>
         <a:buFont typeface="Arial" panose="020B0604020202020204" pitchFamily="34" charset="0"/>
         <a:buChar char="•"/>
-        <a:defRPr sz="1800" kern="1200">
+        <a:defRPr sz="2367" kern="1200">
           <a:solidFill>
             <a:schemeClr val="tx1"/>
           </a:solidFill>
@@ -2799,16 +2801,16 @@
           <a:cs typeface="+mn-cs"/>
         </a:defRPr>
       </a:lvl6pPr>
-      <a:lvl7pPr marL="2971800" indent="-228600" algn="l" defTabSz="914400" rtl="0" eaLnBrk="1" latinLnBrk="0" hangingPunct="1">
+      <a:lvl7pPr marL="3907917" indent="-300609" algn="l" defTabSz="1202436" rtl="0" eaLnBrk="1" latinLnBrk="0" hangingPunct="1">
         <a:lnSpc>
           <a:spcPct val="90000"/>
         </a:lnSpc>
         <a:spcBef>
-          <a:spcPts val="500"/>
+          <a:spcPts val="658"/>
         </a:spcBef>
         <a:buFont typeface="Arial" panose="020B0604020202020204" pitchFamily="34" charset="0"/>
         <a:buChar char="•"/>
-        <a:defRPr sz="1800" kern="1200">
+        <a:defRPr sz="2367" kern="1200">
           <a:solidFill>
             <a:schemeClr val="tx1"/>
           </a:solidFill>
@@ -2817,16 +2819,16 @@
           <a:cs typeface="+mn-cs"/>
         </a:defRPr>
       </a:lvl7pPr>
-      <a:lvl8pPr marL="3429000" indent="-228600" algn="l" defTabSz="914400" rtl="0" eaLnBrk="1" latinLnBrk="0" hangingPunct="1">
+      <a:lvl8pPr marL="4509135" indent="-300609" algn="l" defTabSz="1202436" rtl="0" eaLnBrk="1" latinLnBrk="0" hangingPunct="1">
         <a:lnSpc>
           <a:spcPct val="90000"/>
         </a:lnSpc>
         <a:spcBef>
-          <a:spcPts val="500"/>
+          <a:spcPts val="658"/>
         </a:spcBef>
         <a:buFont typeface="Arial" panose="020B0604020202020204" pitchFamily="34" charset="0"/>
         <a:buChar char="•"/>
-        <a:defRPr sz="1800" kern="1200">
+        <a:defRPr sz="2367" kern="1200">
           <a:solidFill>
             <a:schemeClr val="tx1"/>
           </a:solidFill>
@@ -2835,16 +2837,16 @@
           <a:cs typeface="+mn-cs"/>
         </a:defRPr>
       </a:lvl8pPr>
-      <a:lvl9pPr marL="3886200" indent="-228600" algn="l" defTabSz="914400" rtl="0" eaLnBrk="1" latinLnBrk="0" hangingPunct="1">
+      <a:lvl9pPr marL="5110353" indent="-300609" algn="l" defTabSz="1202436" rtl="0" eaLnBrk="1" latinLnBrk="0" hangingPunct="1">
         <a:lnSpc>
           <a:spcPct val="90000"/>
         </a:lnSpc>
         <a:spcBef>
-          <a:spcPts val="500"/>
+          <a:spcPts val="658"/>
         </a:spcBef>
         <a:buFont typeface="Arial" panose="020B0604020202020204" pitchFamily="34" charset="0"/>
         <a:buChar char="•"/>
-        <a:defRPr sz="1800" kern="1200">
+        <a:defRPr sz="2367" kern="1200">
           <a:solidFill>
             <a:schemeClr val="tx1"/>
           </a:solidFill>
@@ -2858,8 +2860,8 @@
       <a:defPPr>
         <a:defRPr lang="en-US"/>
       </a:defPPr>
-      <a:lvl1pPr marL="0" algn="l" defTabSz="914400" rtl="0" eaLnBrk="1" latinLnBrk="0" hangingPunct="1">
-        <a:defRPr sz="1800" kern="1200">
+      <a:lvl1pPr marL="0" algn="l" defTabSz="1202436" rtl="0" eaLnBrk="1" latinLnBrk="0" hangingPunct="1">
+        <a:defRPr sz="2367" kern="1200">
           <a:solidFill>
             <a:schemeClr val="tx1"/>
           </a:solidFill>
@@ -2868,8 +2870,8 @@
           <a:cs typeface="+mn-cs"/>
         </a:defRPr>
       </a:lvl1pPr>
-      <a:lvl2pPr marL="457200" algn="l" defTabSz="914400" rtl="0" eaLnBrk="1" latinLnBrk="0" hangingPunct="1">
-        <a:defRPr sz="1800" kern="1200">
+      <a:lvl2pPr marL="601218" algn="l" defTabSz="1202436" rtl="0" eaLnBrk="1" latinLnBrk="0" hangingPunct="1">
+        <a:defRPr sz="2367" kern="1200">
           <a:solidFill>
             <a:schemeClr val="tx1"/>
           </a:solidFill>
@@ -2878,8 +2880,8 @@
           <a:cs typeface="+mn-cs"/>
         </a:defRPr>
       </a:lvl2pPr>
-      <a:lvl3pPr marL="914400" algn="l" defTabSz="914400" rtl="0" eaLnBrk="1" latinLnBrk="0" hangingPunct="1">
-        <a:defRPr sz="1800" kern="1200">
+      <a:lvl3pPr marL="1202436" algn="l" defTabSz="1202436" rtl="0" eaLnBrk="1" latinLnBrk="0" hangingPunct="1">
+        <a:defRPr sz="2367" kern="1200">
           <a:solidFill>
             <a:schemeClr val="tx1"/>
           </a:solidFill>
@@ -2888,8 +2890,8 @@
           <a:cs typeface="+mn-cs"/>
         </a:defRPr>
       </a:lvl3pPr>
-      <a:lvl4pPr marL="1371600" algn="l" defTabSz="914400" rtl="0" eaLnBrk="1" latinLnBrk="0" hangingPunct="1">
-        <a:defRPr sz="1800" kern="1200">
+      <a:lvl4pPr marL="1803654" algn="l" defTabSz="1202436" rtl="0" eaLnBrk="1" latinLnBrk="0" hangingPunct="1">
+        <a:defRPr sz="2367" kern="1200">
           <a:solidFill>
             <a:schemeClr val="tx1"/>
           </a:solidFill>
@@ -2898,8 +2900,8 @@
           <a:cs typeface="+mn-cs"/>
         </a:defRPr>
       </a:lvl4pPr>
-      <a:lvl5pPr marL="1828800" algn="l" defTabSz="914400" rtl="0" eaLnBrk="1" latinLnBrk="0" hangingPunct="1">
-        <a:defRPr sz="1800" kern="1200">
+      <a:lvl5pPr marL="2404872" algn="l" defTabSz="1202436" rtl="0" eaLnBrk="1" latinLnBrk="0" hangingPunct="1">
+        <a:defRPr sz="2367" kern="1200">
           <a:solidFill>
             <a:schemeClr val="tx1"/>
           </a:solidFill>
@@ -2908,8 +2910,8 @@
           <a:cs typeface="+mn-cs"/>
         </a:defRPr>
       </a:lvl5pPr>
-      <a:lvl6pPr marL="2286000" algn="l" defTabSz="914400" rtl="0" eaLnBrk="1" latinLnBrk="0" hangingPunct="1">
-        <a:defRPr sz="1800" kern="1200">
+      <a:lvl6pPr marL="3006090" algn="l" defTabSz="1202436" rtl="0" eaLnBrk="1" latinLnBrk="0" hangingPunct="1">
+        <a:defRPr sz="2367" kern="1200">
           <a:solidFill>
             <a:schemeClr val="tx1"/>
           </a:solidFill>
@@ -2918,8 +2920,8 @@
           <a:cs typeface="+mn-cs"/>
         </a:defRPr>
       </a:lvl6pPr>
-      <a:lvl7pPr marL="2743200" algn="l" defTabSz="914400" rtl="0" eaLnBrk="1" latinLnBrk="0" hangingPunct="1">
-        <a:defRPr sz="1800" kern="1200">
+      <a:lvl7pPr marL="3607308" algn="l" defTabSz="1202436" rtl="0" eaLnBrk="1" latinLnBrk="0" hangingPunct="1">
+        <a:defRPr sz="2367" kern="1200">
           <a:solidFill>
             <a:schemeClr val="tx1"/>
           </a:solidFill>
@@ -2928,8 +2930,8 @@
           <a:cs typeface="+mn-cs"/>
         </a:defRPr>
       </a:lvl7pPr>
-      <a:lvl8pPr marL="3200400" algn="l" defTabSz="914400" rtl="0" eaLnBrk="1" latinLnBrk="0" hangingPunct="1">
-        <a:defRPr sz="1800" kern="1200">
+      <a:lvl8pPr marL="4208526" algn="l" defTabSz="1202436" rtl="0" eaLnBrk="1" latinLnBrk="0" hangingPunct="1">
+        <a:defRPr sz="2367" kern="1200">
           <a:solidFill>
             <a:schemeClr val="tx1"/>
           </a:solidFill>
@@ -2938,8 +2940,8 @@
           <a:cs typeface="+mn-cs"/>
         </a:defRPr>
       </a:lvl8pPr>
-      <a:lvl9pPr marL="3657600" algn="l" defTabSz="914400" rtl="0" eaLnBrk="1" latinLnBrk="0" hangingPunct="1">
-        <a:defRPr sz="1800" kern="1200">
+      <a:lvl9pPr marL="4809744" algn="l" defTabSz="1202436" rtl="0" eaLnBrk="1" latinLnBrk="0" hangingPunct="1">
+        <a:defRPr sz="2367" kern="1200">
           <a:solidFill>
             <a:schemeClr val="tx1"/>
           </a:solidFill>
@@ -2978,7 +2980,7 @@
         </p:nvSpPr>
         <p:spPr>
           <a:xfrm rot="20955302">
-            <a:off x="3851636" y="722479"/>
+            <a:off x="3851637" y="1802773"/>
             <a:ext cx="4488729" cy="2308324"/>
           </a:xfrm>
           <a:prstGeom prst="rect">
@@ -2994,7 +2996,7 @@
           <a:p>
             <a:pPr algn="ctr"/>
             <a:r>
-              <a:rPr lang="es-ES" sz="7200" b="1" cap="none" spc="0" dirty="0">
+              <a:rPr lang="es-ES" sz="7200" b="1" dirty="0">
                 <a:ln w="12700">
                   <a:solidFill>
                     <a:schemeClr val="tx2">
@@ -3058,49 +3060,13 @@
               </a:rPr>
               <a:t>PRINTF</a:t>
             </a:r>
-            <a:endParaRPr lang="es-ES" sz="7200" b="1" cap="none" spc="0" dirty="0">
-              <a:ln w="12700">
-                <a:solidFill>
-                  <a:schemeClr val="tx2">
-                    <a:lumMod val="75000"/>
-                  </a:schemeClr>
-                </a:solidFill>
-                <a:prstDash val="solid"/>
-              </a:ln>
-              <a:pattFill prst="dkUpDiag">
-                <a:fgClr>
-                  <a:schemeClr val="tx2"/>
-                </a:fgClr>
-                <a:bgClr>
-                  <a:schemeClr val="tx2">
-                    <a:lumMod val="20000"/>
-                    <a:lumOff val="80000"/>
-                  </a:schemeClr>
-                </a:bgClr>
-              </a:pattFill>
-              <a:effectLst>
-                <a:outerShdw dist="38100" dir="2640000" algn="bl" rotWithShape="0">
-                  <a:schemeClr val="tx2">
-                    <a:lumMod val="75000"/>
-                  </a:schemeClr>
-                </a:outerShdw>
-              </a:effectLst>
-            </a:endParaRPr>
           </a:p>
         </p:txBody>
       </p:sp>
       <p:pic>
         <p:nvPicPr>
-          <p:cNvPr id="7" name="Imagen 6">
-            <a:extLst>
-              <a:ext uri="{FF2B5EF4-FFF2-40B4-BE49-F238E27FC236}">
-                <a16:creationId xmlns:a16="http://schemas.microsoft.com/office/drawing/2014/main" id="{E6C5C2FB-792D-4386-9F4F-BA9F477FC622}"/>
-              </a:ext>
-            </a:extLst>
-          </p:cNvPr>
-          <p:cNvPicPr>
-            <a:picLocks noChangeAspect="1"/>
-          </p:cNvPicPr>
+          <p:cNvPr id="4" name="Imagen 3"/>
+          <p:cNvPicPr/>
           <p:nvPr/>
         </p:nvPicPr>
         <p:blipFill>
@@ -3111,8 +3077,8 @@
         </p:blipFill>
         <p:spPr>
           <a:xfrm>
-            <a:off x="750689" y="4242675"/>
-            <a:ext cx="10690622" cy="1324773"/>
+            <a:off x="986591" y="5219158"/>
+            <a:ext cx="9665367" cy="1082842"/>
           </a:xfrm>
           <a:prstGeom prst="rect">
             <a:avLst/>
@@ -3157,7 +3123,7 @@
         </p:nvSpPr>
         <p:spPr>
           <a:xfrm>
-            <a:off x="5611169" y="59662"/>
+            <a:off x="5653248" y="612720"/>
             <a:ext cx="942126" cy="369332"/>
           </a:xfrm>
           <a:prstGeom prst="rect">
@@ -3187,7 +3153,7 @@
         </p:nvSpPr>
         <p:spPr>
           <a:xfrm>
-            <a:off x="3078570" y="1249680"/>
+            <a:off x="291874" y="2326439"/>
             <a:ext cx="657439" cy="307777"/>
           </a:xfrm>
           <a:prstGeom prst="rect">
@@ -3217,7 +3183,7 @@
         </p:nvSpPr>
         <p:spPr>
           <a:xfrm>
-            <a:off x="4067129" y="1249679"/>
+            <a:off x="1501496" y="2326439"/>
             <a:ext cx="239168" cy="307777"/>
           </a:xfrm>
           <a:prstGeom prst="rect">
@@ -3241,43 +3207,13 @@
       </p:sp>
       <p:sp>
         <p:nvSpPr>
-          <p:cNvPr id="7" name="CuadroTexto 6"/>
-          <p:cNvSpPr txBox="1"/>
-          <p:nvPr/>
-        </p:nvSpPr>
-        <p:spPr>
-          <a:xfrm>
-            <a:off x="4584221" y="1239680"/>
-            <a:ext cx="2053896" cy="307777"/>
-          </a:xfrm>
-          <a:prstGeom prst="rect">
-            <a:avLst/>
-          </a:prstGeom>
-          <a:noFill/>
-        </p:spPr>
-        <p:txBody>
-          <a:bodyPr wrap="none" rtlCol="0">
-            <a:spAutoFit/>
-          </a:bodyPr>
-          <a:lstStyle/>
-          <a:p>
-            <a:r>
-              <a:rPr lang="es-ES" sz="1400" dirty="0"/>
-              <a:t>CADENA_CON_FORMATO</a:t>
-            </a:r>
-            <a:endParaRPr lang="en-US" sz="1400" dirty="0"/>
-          </a:p>
-        </p:txBody>
-      </p:sp>
-      <p:sp>
-        <p:nvSpPr>
           <p:cNvPr id="8" name="CuadroTexto 7"/>
           <p:cNvSpPr txBox="1"/>
           <p:nvPr/>
         </p:nvSpPr>
         <p:spPr>
           <a:xfrm>
-            <a:off x="8593065" y="1241698"/>
+            <a:off x="10905861" y="2329055"/>
             <a:ext cx="239168" cy="307777"/>
           </a:xfrm>
           <a:prstGeom prst="rect">
@@ -3311,8 +3247,8 @@
         </p:nvCxnSpPr>
         <p:spPr>
           <a:xfrm flipH="1">
-            <a:off x="3407290" y="428994"/>
-            <a:ext cx="2674942" cy="820686"/>
+            <a:off x="620594" y="982052"/>
+            <a:ext cx="5503717" cy="1344387"/>
           </a:xfrm>
           <a:prstGeom prst="line">
             <a:avLst/>
@@ -3345,8 +3281,8 @@
         </p:nvCxnSpPr>
         <p:spPr>
           <a:xfrm flipH="1">
-            <a:off x="4186713" y="428994"/>
-            <a:ext cx="1895519" cy="820685"/>
+            <a:off x="1621080" y="982052"/>
+            <a:ext cx="4503231" cy="1344387"/>
           </a:xfrm>
           <a:prstGeom prst="line">
             <a:avLst/>
@@ -3373,14 +3309,14 @@
           <p:cNvCxnSpPr>
             <a:cxnSpLocks/>
             <a:stCxn id="4" idx="2"/>
-            <a:endCxn id="7" idx="0"/>
+            <a:endCxn id="42" idx="0"/>
           </p:cNvCxnSpPr>
           <p:nvPr/>
         </p:nvCxnSpPr>
         <p:spPr>
           <a:xfrm flipH="1">
-            <a:off x="5611169" y="428994"/>
-            <a:ext cx="471063" cy="810686"/>
+            <a:off x="3618702" y="982052"/>
+            <a:ext cx="2505609" cy="1345862"/>
           </a:xfrm>
           <a:prstGeom prst="line">
             <a:avLst/>
@@ -3413,8 +3349,8 @@
         </p:nvCxnSpPr>
         <p:spPr>
           <a:xfrm>
-            <a:off x="6082232" y="428994"/>
-            <a:ext cx="2630417" cy="812704"/>
+            <a:off x="6124311" y="982052"/>
+            <a:ext cx="4901134" cy="1347003"/>
           </a:xfrm>
           <a:prstGeom prst="line">
             <a:avLst/>
@@ -3435,43 +3371,6 @@
           </a:fontRef>
         </p:style>
       </p:cxnSp>
-      <p:sp>
-        <p:nvSpPr>
-          <p:cNvPr id="74" name="CuadroTexto 73">
-            <a:extLst>
-              <a:ext uri="{FF2B5EF4-FFF2-40B4-BE49-F238E27FC236}">
-                <a16:creationId xmlns:a16="http://schemas.microsoft.com/office/drawing/2014/main" id="{43006CCB-4CE8-45B2-A0CA-7C8A2B026AD9}"/>
-              </a:ext>
-            </a:extLst>
-          </p:cNvPr>
-          <p:cNvSpPr txBox="1"/>
-          <p:nvPr/>
-        </p:nvSpPr>
-        <p:spPr>
-          <a:xfrm>
-            <a:off x="6711587" y="1239679"/>
-            <a:ext cx="229551" cy="307777"/>
-          </a:xfrm>
-          <a:prstGeom prst="rect">
-            <a:avLst/>
-          </a:prstGeom>
-          <a:noFill/>
-        </p:spPr>
-        <p:txBody>
-          <a:bodyPr wrap="none" rtlCol="0">
-            <a:spAutoFit/>
-          </a:bodyPr>
-          <a:lstStyle/>
-          <a:p>
-            <a:pPr algn="ctr"/>
-            <a:r>
-              <a:rPr lang="es-ES" sz="1400" dirty="0"/>
-              <a:t>,</a:t>
-            </a:r>
-            <a:endParaRPr lang="en-US" sz="1400" dirty="0"/>
-          </a:p>
-        </p:txBody>
-      </p:sp>
       <p:sp>
         <p:nvSpPr>
           <p:cNvPr id="76" name="CuadroTexto 75">
@@ -3486,8 +3385,8 @@
         </p:nvSpPr>
         <p:spPr>
           <a:xfrm>
-            <a:off x="7080561" y="1249678"/>
-            <a:ext cx="1330814" cy="307777"/>
+            <a:off x="8552374" y="2329055"/>
+            <a:ext cx="1197251" cy="307777"/>
           </a:xfrm>
           <a:prstGeom prst="rect">
             <a:avLst/>
@@ -3502,7 +3401,7 @@
           <a:p>
             <a:r>
               <a:rPr lang="es-ES" sz="1400" dirty="0"/>
-              <a:t>IDENTIFICADOR</a:t>
+              <a:t>PARAMETROS</a:t>
             </a:r>
             <a:endParaRPr lang="en-US" sz="1400" dirty="0"/>
           </a:p>
@@ -3522,7 +3421,7 @@
         </p:nvSpPr>
         <p:spPr>
           <a:xfrm>
-            <a:off x="9067334" y="1239678"/>
+            <a:off x="11715743" y="2329055"/>
             <a:ext cx="232756" cy="307777"/>
           </a:xfrm>
           <a:prstGeom prst="rect">
@@ -3555,14 +3454,14 @@
           </p:cNvPr>
           <p:cNvCxnSpPr>
             <a:stCxn id="4" idx="2"/>
-            <a:endCxn id="74" idx="0"/>
+            <a:endCxn id="49" idx="0"/>
           </p:cNvCxnSpPr>
           <p:nvPr/>
         </p:nvCxnSpPr>
         <p:spPr>
           <a:xfrm>
-            <a:off x="6082232" y="428994"/>
-            <a:ext cx="744131" cy="810685"/>
+            <a:off x="6124311" y="982052"/>
+            <a:ext cx="0" cy="1345862"/>
           </a:xfrm>
           <a:prstGeom prst="line">
             <a:avLst/>
@@ -3600,8 +3499,8 @@
         </p:nvCxnSpPr>
         <p:spPr>
           <a:xfrm>
-            <a:off x="6082232" y="428994"/>
-            <a:ext cx="1663736" cy="820684"/>
+            <a:off x="6124311" y="982052"/>
+            <a:ext cx="3026689" cy="1347003"/>
           </a:xfrm>
           <a:prstGeom prst="line">
             <a:avLst/>
@@ -3639,8 +3538,8 @@
         </p:nvCxnSpPr>
         <p:spPr>
           <a:xfrm>
-            <a:off x="6082232" y="428994"/>
-            <a:ext cx="3101480" cy="810684"/>
+            <a:off x="6124311" y="982052"/>
+            <a:ext cx="5707810" cy="1347003"/>
           </a:xfrm>
           <a:prstGeom prst="line">
             <a:avLst/>
@@ -3663,7 +3562,37 @@
       </p:cxnSp>
       <p:sp>
         <p:nvSpPr>
-          <p:cNvPr id="89" name="CuadroTexto 88">
+          <p:cNvPr id="42" name="CuadroTexto 41"/>
+          <p:cNvSpPr txBox="1"/>
+          <p:nvPr/>
+        </p:nvSpPr>
+        <p:spPr>
+          <a:xfrm>
+            <a:off x="2924249" y="2327914"/>
+            <a:ext cx="1388906" cy="307777"/>
+          </a:xfrm>
+          <a:prstGeom prst="rect">
+            <a:avLst/>
+          </a:prstGeom>
+          <a:noFill/>
+        </p:spPr>
+        <p:txBody>
+          <a:bodyPr wrap="none" rtlCol="0">
+            <a:spAutoFit/>
+          </a:bodyPr>
+          <a:lstStyle/>
+          <a:p>
+            <a:r>
+              <a:rPr lang="es-ES" sz="1400" dirty="0"/>
+              <a:t>STRING_LITERAL</a:t>
+            </a:r>
+            <a:endParaRPr lang="en-US" sz="1400" dirty="0"/>
+          </a:p>
+        </p:txBody>
+      </p:sp>
+      <p:sp>
+        <p:nvSpPr>
+          <p:cNvPr id="49" name="CuadroTexto 48">
             <a:extLst>
               <a:ext uri="{FF2B5EF4-FFF2-40B4-BE49-F238E27FC236}">
                 <a16:creationId xmlns:a16="http://schemas.microsoft.com/office/drawing/2014/main" id="{F62301D9-9676-4EAA-9F17-ABD7C9B93B00}"/>
@@ -3675,8 +3604,8 @@
         </p:nvSpPr>
         <p:spPr>
           <a:xfrm>
-            <a:off x="7365588" y="2576455"/>
-            <a:ext cx="760978" cy="307777"/>
+            <a:off x="6009536" y="2327914"/>
+            <a:ext cx="229550" cy="307777"/>
           </a:xfrm>
           <a:prstGeom prst="rect">
             <a:avLst/>
@@ -3691,57 +3620,18 @@
           <a:p>
             <a:r>
               <a:rPr lang="es-ES" sz="1400" dirty="0"/>
-              <a:t>nombre</a:t>
+              <a:t>,</a:t>
             </a:r>
             <a:endParaRPr lang="en-US" sz="1400" dirty="0"/>
           </a:p>
         </p:txBody>
       </p:sp>
-      <p:cxnSp>
-        <p:nvCxnSpPr>
-          <p:cNvPr id="50" name="Conector recto 49">
+      <p:sp>
+        <p:nvSpPr>
+          <p:cNvPr id="53" name="CuadroTexto 52">
             <a:extLst>
               <a:ext uri="{FF2B5EF4-FFF2-40B4-BE49-F238E27FC236}">
-                <a16:creationId xmlns:a16="http://schemas.microsoft.com/office/drawing/2014/main" id="{D8B9771D-6B08-45E2-AD97-4F01E469E52A}"/>
-              </a:ext>
-            </a:extLst>
-          </p:cNvPr>
-          <p:cNvCxnSpPr>
-            <a:stCxn id="76" idx="2"/>
-            <a:endCxn id="89" idx="0"/>
-          </p:cNvCxnSpPr>
-          <p:nvPr/>
-        </p:nvCxnSpPr>
-        <p:spPr>
-          <a:xfrm>
-            <a:off x="7745968" y="1557455"/>
-            <a:ext cx="109" cy="1019000"/>
-          </a:xfrm>
-          <a:prstGeom prst="line">
-            <a:avLst/>
-          </a:prstGeom>
-        </p:spPr>
-        <p:style>
-          <a:lnRef idx="1">
-            <a:schemeClr val="accent1"/>
-          </a:lnRef>
-          <a:fillRef idx="0">
-            <a:schemeClr val="accent1"/>
-          </a:fillRef>
-          <a:effectRef idx="0">
-            <a:schemeClr val="accent1"/>
-          </a:effectRef>
-          <a:fontRef idx="minor">
-            <a:schemeClr val="tx1"/>
-          </a:fontRef>
-        </p:style>
-      </p:cxnSp>
-      <p:sp>
-        <p:nvSpPr>
-          <p:cNvPr id="92" name="CuadroTexto 91">
-            <a:extLst>
-              <a:ext uri="{FF2B5EF4-FFF2-40B4-BE49-F238E27FC236}">
-                <a16:creationId xmlns:a16="http://schemas.microsoft.com/office/drawing/2014/main" id="{332C5DB8-51F1-4113-AF7D-0FE7AE5E8830}"/>
+                <a16:creationId xmlns:a16="http://schemas.microsoft.com/office/drawing/2014/main" id="{02B0C277-2696-4CDB-956F-F88346418039}"/>
               </a:ext>
             </a:extLst>
           </p:cNvPr>
@@ -3750,8 +3640,8 @@
         </p:nvSpPr>
         <p:spPr>
           <a:xfrm>
-            <a:off x="1889661" y="2571073"/>
-            <a:ext cx="1388906" cy="307777"/>
+            <a:off x="8595771" y="3479724"/>
+            <a:ext cx="1197251" cy="307777"/>
           </a:xfrm>
           <a:prstGeom prst="rect">
             <a:avLst/>
@@ -3765,106 +3655,19 @@
           <a:lstStyle/>
           <a:p>
             <a:r>
-              <a:rPr lang="en-US" sz="1400" dirty="0"/>
-              <a:t>STRING_LITERAL</a:t>
-            </a:r>
-          </a:p>
-        </p:txBody>
-      </p:sp>
-      <p:sp>
-        <p:nvSpPr>
-          <p:cNvPr id="93" name="Rectángulo 92">
+              <a:rPr lang="es-ES" sz="1400" dirty="0"/>
+              <a:t>PARAMETROS</a:t>
+            </a:r>
+            <a:endParaRPr lang="en-US" sz="1400" dirty="0"/>
+          </a:p>
+        </p:txBody>
+      </p:sp>
+      <p:sp>
+        <p:nvSpPr>
+          <p:cNvPr id="55" name="CuadroTexto 54">
             <a:extLst>
               <a:ext uri="{FF2B5EF4-FFF2-40B4-BE49-F238E27FC236}">
-                <a16:creationId xmlns:a16="http://schemas.microsoft.com/office/drawing/2014/main" id="{F778DD47-8E4C-44D8-B95F-19ACDEFA5832}"/>
-              </a:ext>
-            </a:extLst>
-          </p:cNvPr>
-          <p:cNvSpPr/>
-          <p:nvPr/>
-        </p:nvSpPr>
-        <p:spPr>
-          <a:xfrm>
-            <a:off x="1837002" y="3506206"/>
-            <a:ext cx="1494223" cy="307777"/>
-          </a:xfrm>
-          <a:prstGeom prst="rect">
-            <a:avLst/>
-          </a:prstGeom>
-        </p:spPr>
-        <p:txBody>
-          <a:bodyPr wrap="square">
-            <a:spAutoFit/>
-          </a:bodyPr>
-          <a:lstStyle/>
-          <a:p>
-            <a:pPr algn="ctr"/>
-            <a:r>
-              <a:rPr lang="en-US" sz="1400" dirty="0"/>
-              <a:t>“Mi </a:t>
-            </a:r>
-            <a:r>
-              <a:rPr lang="en-US" sz="1400" dirty="0" err="1"/>
-              <a:t>nombre</a:t>
-            </a:r>
-            <a:r>
-              <a:rPr lang="en-US" sz="1400" dirty="0"/>
-              <a:t> es: ”</a:t>
-            </a:r>
-          </a:p>
-        </p:txBody>
-      </p:sp>
-      <p:cxnSp>
-        <p:nvCxnSpPr>
-          <p:cNvPr id="94" name="Conector recto 93">
-            <a:extLst>
-              <a:ext uri="{FF2B5EF4-FFF2-40B4-BE49-F238E27FC236}">
-                <a16:creationId xmlns:a16="http://schemas.microsoft.com/office/drawing/2014/main" id="{67077B57-ACAA-4D8E-A882-FC43C548F5FA}"/>
-              </a:ext>
-            </a:extLst>
-          </p:cNvPr>
-          <p:cNvCxnSpPr>
-            <a:cxnSpLocks/>
-            <a:stCxn id="92" idx="2"/>
-            <a:endCxn id="93" idx="0"/>
-          </p:cNvCxnSpPr>
-          <p:nvPr/>
-        </p:nvCxnSpPr>
-        <p:spPr>
-          <a:xfrm>
-            <a:off x="2584114" y="2878850"/>
-            <a:ext cx="0" cy="627356"/>
-          </a:xfrm>
-          <a:prstGeom prst="line">
-            <a:avLst/>
-          </a:prstGeom>
-          <a:ln>
-            <a:solidFill>
-              <a:schemeClr val="accent6"/>
-            </a:solidFill>
-          </a:ln>
-        </p:spPr>
-        <p:style>
-          <a:lnRef idx="1">
-            <a:schemeClr val="accent1"/>
-          </a:lnRef>
-          <a:fillRef idx="0">
-            <a:schemeClr val="accent1"/>
-          </a:fillRef>
-          <a:effectRef idx="0">
-            <a:schemeClr val="accent1"/>
-          </a:effectRef>
-          <a:fontRef idx="minor">
-            <a:schemeClr val="tx1"/>
-          </a:fontRef>
-        </p:style>
-      </p:cxnSp>
-      <p:sp>
-        <p:nvSpPr>
-          <p:cNvPr id="95" name="CuadroTexto 94">
-            <a:extLst>
-              <a:ext uri="{FF2B5EF4-FFF2-40B4-BE49-F238E27FC236}">
-                <a16:creationId xmlns:a16="http://schemas.microsoft.com/office/drawing/2014/main" id="{496AC65A-91D9-4767-9FF0-C1779FBF49AE}"/>
+                <a16:creationId xmlns:a16="http://schemas.microsoft.com/office/drawing/2014/main" id="{02B0C277-2696-4CDB-956F-F88346418039}"/>
               </a:ext>
             </a:extLst>
           </p:cNvPr>
@@ -3873,8 +3676,8 @@
         </p:nvSpPr>
         <p:spPr>
           <a:xfrm>
-            <a:off x="5134472" y="2576454"/>
-            <a:ext cx="926985" cy="307777"/>
+            <a:off x="8630252" y="4518328"/>
+            <a:ext cx="1197251" cy="307777"/>
           </a:xfrm>
           <a:prstGeom prst="rect">
             <a:avLst/>
@@ -3888,18 +3691,49 @@
           <a:lstStyle/>
           <a:p>
             <a:r>
-              <a:rPr lang="en-US" sz="1400" dirty="0"/>
-              <a:t>FORMATO</a:t>
-            </a:r>
-          </a:p>
-        </p:txBody>
-      </p:sp>
-      <p:sp>
-        <p:nvSpPr>
-          <p:cNvPr id="96" name="CuadroTexto 95">
+              <a:rPr lang="es-ES" sz="1400" dirty="0"/>
+              <a:t>PARAMETROS</a:t>
+            </a:r>
+            <a:endParaRPr lang="en-US" sz="1400" dirty="0"/>
+          </a:p>
+        </p:txBody>
+      </p:sp>
+      <p:sp>
+        <p:nvSpPr>
+          <p:cNvPr id="57" name="CuadroTexto 56"/>
+          <p:cNvSpPr txBox="1"/>
+          <p:nvPr/>
+        </p:nvSpPr>
+        <p:spPr>
+          <a:xfrm>
+            <a:off x="11145029" y="3482676"/>
+            <a:ext cx="503664" cy="307777"/>
+          </a:xfrm>
+          <a:prstGeom prst="rect">
+            <a:avLst/>
+          </a:prstGeom>
+          <a:noFill/>
+        </p:spPr>
+        <p:txBody>
+          <a:bodyPr wrap="none" rtlCol="0">
+            <a:spAutoFit/>
+          </a:bodyPr>
+          <a:lstStyle/>
+          <a:p>
+            <a:r>
+              <a:rPr lang="es-ES" sz="1400" dirty="0"/>
+              <a:t>3.14</a:t>
+            </a:r>
+            <a:endParaRPr lang="en-US" sz="1400" dirty="0"/>
+          </a:p>
+        </p:txBody>
+      </p:sp>
+      <p:sp>
+        <p:nvSpPr>
+          <p:cNvPr id="58" name="CuadroTexto 57">
             <a:extLst>
               <a:ext uri="{FF2B5EF4-FFF2-40B4-BE49-F238E27FC236}">
-                <a16:creationId xmlns:a16="http://schemas.microsoft.com/office/drawing/2014/main" id="{8C54D662-B588-4AEF-AAB9-E9233D3E6C5A}"/>
+                <a16:creationId xmlns:a16="http://schemas.microsoft.com/office/drawing/2014/main" id="{02B0C277-2696-4CDB-956F-F88346418039}"/>
               </a:ext>
             </a:extLst>
           </p:cNvPr>
@@ -3908,8 +3742,8 @@
         </p:nvSpPr>
         <p:spPr>
           <a:xfrm>
-            <a:off x="4932558" y="3506206"/>
-            <a:ext cx="1330814" cy="307777"/>
+            <a:off x="10831346" y="4518328"/>
+            <a:ext cx="824265" cy="307777"/>
           </a:xfrm>
           <a:prstGeom prst="rect">
             <a:avLst/>
@@ -3924,35 +3758,100 @@
           <a:p>
             <a:r>
               <a:rPr lang="es-ES" sz="1400" dirty="0"/>
-              <a:t>IDENTIFICADOR</a:t>
+              <a:t>1234567</a:t>
             </a:r>
             <a:endParaRPr lang="en-US" sz="1400" dirty="0"/>
           </a:p>
         </p:txBody>
       </p:sp>
-      <p:cxnSp>
-        <p:nvCxnSpPr>
-          <p:cNvPr id="52" name="Conector recto 51">
+      <p:sp>
+        <p:nvSpPr>
+          <p:cNvPr id="59" name="CuadroTexto 58">
             <a:extLst>
               <a:ext uri="{FF2B5EF4-FFF2-40B4-BE49-F238E27FC236}">
-                <a16:creationId xmlns:a16="http://schemas.microsoft.com/office/drawing/2014/main" id="{09B4E7BA-2387-4A78-AE5E-FC16AE10104A}"/>
+                <a16:creationId xmlns:a16="http://schemas.microsoft.com/office/drawing/2014/main" id="{02B0C277-2696-4CDB-956F-F88346418039}"/>
               </a:ext>
             </a:extLst>
           </p:cNvPr>
+          <p:cNvSpPr txBox="1"/>
+          <p:nvPr/>
+        </p:nvSpPr>
+        <p:spPr>
+          <a:xfrm>
+            <a:off x="9606867" y="6511885"/>
+            <a:ext cx="1367426" cy="307777"/>
+          </a:xfrm>
+          <a:prstGeom prst="rect">
+            <a:avLst/>
+          </a:prstGeom>
+          <a:noFill/>
+        </p:spPr>
+        <p:txBody>
+          <a:bodyPr wrap="none" rtlCol="0">
+            <a:spAutoFit/>
+          </a:bodyPr>
+          <a:lstStyle/>
+          <a:p>
+            <a:r>
+              <a:rPr lang="es-ES" sz="1400" dirty="0"/>
+              <a:t>COMPLEMENTO</a:t>
+            </a:r>
+            <a:endParaRPr lang="en-US" sz="1400" dirty="0"/>
+          </a:p>
+        </p:txBody>
+      </p:sp>
+      <p:sp>
+        <p:nvSpPr>
+          <p:cNvPr id="60" name="CuadroTexto 59"/>
+          <p:cNvSpPr txBox="1"/>
+          <p:nvPr/>
+        </p:nvSpPr>
+        <p:spPr>
+          <a:xfrm>
+            <a:off x="8546184" y="5556932"/>
+            <a:ext cx="1388906" cy="307777"/>
+          </a:xfrm>
+          <a:prstGeom prst="rect">
+            <a:avLst/>
+          </a:prstGeom>
+          <a:noFill/>
+        </p:spPr>
+        <p:txBody>
+          <a:bodyPr wrap="none" rtlCol="0">
+            <a:spAutoFit/>
+          </a:bodyPr>
+          <a:lstStyle/>
+          <a:p>
+            <a:r>
+              <a:rPr lang="es-ES" sz="1400" dirty="0"/>
+              <a:t>STRING_LITERAL</a:t>
+            </a:r>
+            <a:endParaRPr lang="en-US" sz="1400" dirty="0"/>
+          </a:p>
+        </p:txBody>
+      </p:sp>
+      <p:cxnSp>
+        <p:nvCxnSpPr>
+          <p:cNvPr id="32" name="Conector recto 31"/>
           <p:cNvCxnSpPr>
-            <a:stCxn id="7" idx="2"/>
-            <a:endCxn id="92" idx="0"/>
+            <a:stCxn id="76" idx="2"/>
+            <a:endCxn id="53" idx="0"/>
           </p:cNvCxnSpPr>
           <p:nvPr/>
         </p:nvCxnSpPr>
         <p:spPr>
-          <a:xfrm flipH="1">
-            <a:off x="2584114" y="1547457"/>
-            <a:ext cx="3027055" cy="1023616"/>
+          <a:xfrm>
+            <a:off x="9151000" y="2636831"/>
+            <a:ext cx="43397" cy="842892"/>
           </a:xfrm>
           <a:prstGeom prst="line">
             <a:avLst/>
           </a:prstGeom>
+          <a:ln>
+            <a:solidFill>
+              <a:schemeClr val="accent4"/>
+            </a:solidFill>
+          </a:ln>
         </p:spPr>
         <p:style>
           <a:lnRef idx="1">
@@ -3971,27 +3870,26 @@
       </p:cxnSp>
       <p:cxnSp>
         <p:nvCxnSpPr>
-          <p:cNvPr id="54" name="Conector recto 53">
-            <a:extLst>
-              <a:ext uri="{FF2B5EF4-FFF2-40B4-BE49-F238E27FC236}">
-                <a16:creationId xmlns:a16="http://schemas.microsoft.com/office/drawing/2014/main" id="{F71B139B-6FA8-49C1-A4E7-3B12BCF261BA}"/>
-              </a:ext>
-            </a:extLst>
-          </p:cNvPr>
+          <p:cNvPr id="34" name="Conector recto 33"/>
           <p:cNvCxnSpPr>
-            <a:stCxn id="7" idx="2"/>
-            <a:endCxn id="95" idx="0"/>
+            <a:stCxn id="76" idx="2"/>
+            <a:endCxn id="57" idx="0"/>
           </p:cNvCxnSpPr>
           <p:nvPr/>
         </p:nvCxnSpPr>
         <p:spPr>
-          <a:xfrm flipH="1">
-            <a:off x="5597965" y="1547457"/>
-            <a:ext cx="13204" cy="1028997"/>
+          <a:xfrm>
+            <a:off x="9150999" y="2636831"/>
+            <a:ext cx="2245862" cy="845844"/>
           </a:xfrm>
           <a:prstGeom prst="line">
             <a:avLst/>
           </a:prstGeom>
+          <a:ln>
+            <a:solidFill>
+              <a:schemeClr val="accent4"/>
+            </a:solidFill>
+          </a:ln>
         </p:spPr>
         <p:style>
           <a:lnRef idx="1">
@@ -4010,23 +3908,17 @@
       </p:cxnSp>
       <p:cxnSp>
         <p:nvCxnSpPr>
-          <p:cNvPr id="56" name="Conector recto 55">
-            <a:extLst>
-              <a:ext uri="{FF2B5EF4-FFF2-40B4-BE49-F238E27FC236}">
-                <a16:creationId xmlns:a16="http://schemas.microsoft.com/office/drawing/2014/main" id="{581B27A2-BEEF-4D37-8ECB-9BB7B1B1DC60}"/>
-              </a:ext>
-            </a:extLst>
-          </p:cNvPr>
+          <p:cNvPr id="36" name="Conector recto 35"/>
           <p:cNvCxnSpPr>
-            <a:stCxn id="95" idx="2"/>
-            <a:endCxn id="96" idx="0"/>
+            <a:stCxn id="53" idx="2"/>
+            <a:endCxn id="55" idx="0"/>
           </p:cNvCxnSpPr>
           <p:nvPr/>
         </p:nvCxnSpPr>
         <p:spPr>
           <a:xfrm>
-            <a:off x="5597965" y="2884231"/>
-            <a:ext cx="0" cy="621975"/>
+            <a:off x="9194397" y="3787501"/>
+            <a:ext cx="34481" cy="730827"/>
           </a:xfrm>
           <a:prstGeom prst="line">
             <a:avLst/>
@@ -4047,12 +3939,121 @@
           </a:fontRef>
         </p:style>
       </p:cxnSp>
-      <p:sp>
-        <p:nvSpPr>
-          <p:cNvPr id="109" name="CuadroTexto 108">
+      <p:cxnSp>
+        <p:nvCxnSpPr>
+          <p:cNvPr id="38" name="Conector recto 37"/>
+          <p:cNvCxnSpPr>
+            <a:stCxn id="53" idx="2"/>
+            <a:endCxn id="58" idx="0"/>
+          </p:cNvCxnSpPr>
+          <p:nvPr/>
+        </p:nvCxnSpPr>
+        <p:spPr>
+          <a:xfrm>
+            <a:off x="9194397" y="3787501"/>
+            <a:ext cx="2049082" cy="730827"/>
+          </a:xfrm>
+          <a:prstGeom prst="line">
+            <a:avLst/>
+          </a:prstGeom>
+        </p:spPr>
+        <p:style>
+          <a:lnRef idx="1">
+            <a:schemeClr val="accent1"/>
+          </a:lnRef>
+          <a:fillRef idx="0">
+            <a:schemeClr val="accent1"/>
+          </a:fillRef>
+          <a:effectRef idx="0">
+            <a:schemeClr val="accent1"/>
+          </a:effectRef>
+          <a:fontRef idx="minor">
+            <a:schemeClr val="tx1"/>
+          </a:fontRef>
+        </p:style>
+      </p:cxnSp>
+      <p:cxnSp>
+        <p:nvCxnSpPr>
+          <p:cNvPr id="40" name="Conector recto 39"/>
+          <p:cNvCxnSpPr>
+            <a:stCxn id="55" idx="2"/>
+            <a:endCxn id="60" idx="0"/>
+          </p:cNvCxnSpPr>
+          <p:nvPr/>
+        </p:nvCxnSpPr>
+        <p:spPr>
+          <a:xfrm>
+            <a:off x="9228878" y="4826105"/>
+            <a:ext cx="11759" cy="730827"/>
+          </a:xfrm>
+          <a:prstGeom prst="line">
+            <a:avLst/>
+          </a:prstGeom>
+          <a:ln>
+            <a:solidFill>
+              <a:schemeClr val="accent6"/>
+            </a:solidFill>
+          </a:ln>
+        </p:spPr>
+        <p:style>
+          <a:lnRef idx="1">
+            <a:schemeClr val="accent1"/>
+          </a:lnRef>
+          <a:fillRef idx="0">
+            <a:schemeClr val="accent1"/>
+          </a:fillRef>
+          <a:effectRef idx="0">
+            <a:schemeClr val="accent1"/>
+          </a:effectRef>
+          <a:fontRef idx="minor">
+            <a:schemeClr val="tx1"/>
+          </a:fontRef>
+        </p:style>
+      </p:cxnSp>
+      <p:cxnSp>
+        <p:nvCxnSpPr>
+          <p:cNvPr id="43" name="Conector recto 42"/>
+          <p:cNvCxnSpPr>
+            <a:stCxn id="60" idx="2"/>
+            <a:endCxn id="59" idx="0"/>
+          </p:cNvCxnSpPr>
+          <p:nvPr/>
+        </p:nvCxnSpPr>
+        <p:spPr>
+          <a:xfrm>
+            <a:off x="9240637" y="5864709"/>
+            <a:ext cx="1049943" cy="647176"/>
+          </a:xfrm>
+          <a:prstGeom prst="line">
+            <a:avLst/>
+          </a:prstGeom>
+          <a:ln>
+            <a:solidFill>
+              <a:schemeClr val="accent2"/>
+            </a:solidFill>
+          </a:ln>
+        </p:spPr>
+        <p:style>
+          <a:lnRef idx="1">
+            <a:schemeClr val="accent1"/>
+          </a:lnRef>
+          <a:fillRef idx="0">
+            <a:schemeClr val="accent1"/>
+          </a:fillRef>
+          <a:effectRef idx="0">
+            <a:schemeClr val="accent1"/>
+          </a:effectRef>
+          <a:fontRef idx="minor">
+            <a:schemeClr val="tx1"/>
+          </a:fontRef>
+        </p:style>
+      </p:cxnSp>
+      <p:sp>
+        <p:nvSpPr>
+          <p:cNvPr id="75" name="CuadroTexto 74">
             <a:extLst>
               <a:ext uri="{FF2B5EF4-FFF2-40B4-BE49-F238E27FC236}">
-                <a16:creationId xmlns:a16="http://schemas.microsoft.com/office/drawing/2014/main" id="{98E7DB3A-603E-4BE3-ADBA-11C34607C39F}"/>
+                <a16:creationId xmlns:a16="http://schemas.microsoft.com/office/drawing/2014/main" id="{F62301D9-9676-4EAA-9F17-ABD7C9B93B00}"/>
               </a:ext>
             </a:extLst>
           </p:cNvPr>
@@ -4061,8 +4062,8 @@
         </p:nvSpPr>
         <p:spPr>
           <a:xfrm>
-            <a:off x="5217476" y="4535203"/>
-            <a:ext cx="760978" cy="307777"/>
+            <a:off x="10242361" y="3480511"/>
+            <a:ext cx="229550" cy="307777"/>
           </a:xfrm>
           <a:prstGeom prst="rect">
             <a:avLst/>
@@ -4077,7 +4078,7 @@
           <a:p>
             <a:r>
               <a:rPr lang="es-ES" sz="1400" dirty="0"/>
-              <a:t>nombre</a:t>
+              <a:t>,</a:t>
             </a:r>
             <a:endParaRPr lang="en-US" sz="1400" dirty="0"/>
           </a:p>
@@ -4085,23 +4086,1736 @@
       </p:sp>
       <p:cxnSp>
         <p:nvCxnSpPr>
-          <p:cNvPr id="66" name="Conector recto 65">
+          <p:cNvPr id="63" name="Conector recto 62"/>
+          <p:cNvCxnSpPr>
+            <a:stCxn id="76" idx="2"/>
+            <a:endCxn id="75" idx="0"/>
+          </p:cNvCxnSpPr>
+          <p:nvPr/>
+        </p:nvCxnSpPr>
+        <p:spPr>
+          <a:xfrm>
+            <a:off x="9151000" y="2636832"/>
+            <a:ext cx="1206137" cy="843679"/>
+          </a:xfrm>
+          <a:prstGeom prst="line">
+            <a:avLst/>
+          </a:prstGeom>
+          <a:ln>
+            <a:solidFill>
+              <a:schemeClr val="accent4"/>
+            </a:solidFill>
+          </a:ln>
+        </p:spPr>
+        <p:style>
+          <a:lnRef idx="1">
+            <a:schemeClr val="accent1"/>
+          </a:lnRef>
+          <a:fillRef idx="0">
+            <a:schemeClr val="accent1"/>
+          </a:fillRef>
+          <a:effectRef idx="0">
+            <a:schemeClr val="accent1"/>
+          </a:effectRef>
+          <a:fontRef idx="minor">
+            <a:schemeClr val="tx1"/>
+          </a:fontRef>
+        </p:style>
+      </p:cxnSp>
+      <p:sp>
+        <p:nvSpPr>
+          <p:cNvPr id="78" name="CuadroTexto 77">
             <a:extLst>
               <a:ext uri="{FF2B5EF4-FFF2-40B4-BE49-F238E27FC236}">
-                <a16:creationId xmlns:a16="http://schemas.microsoft.com/office/drawing/2014/main" id="{55E4FFEC-C4B4-44D4-A808-DC765E275DEE}"/>
+                <a16:creationId xmlns:a16="http://schemas.microsoft.com/office/drawing/2014/main" id="{F62301D9-9676-4EAA-9F17-ABD7C9B93B00}"/>
               </a:ext>
             </a:extLst>
           </p:cNvPr>
+          <p:cNvSpPr txBox="1"/>
+          <p:nvPr/>
+        </p:nvSpPr>
+        <p:spPr>
+          <a:xfrm>
+            <a:off x="10157757" y="4518328"/>
+            <a:ext cx="149926" cy="307777"/>
+          </a:xfrm>
+          <a:prstGeom prst="rect">
+            <a:avLst/>
+          </a:prstGeom>
+          <a:noFill/>
+        </p:spPr>
+        <p:txBody>
+          <a:bodyPr wrap="square" rtlCol="0">
+            <a:spAutoFit/>
+          </a:bodyPr>
+          <a:lstStyle/>
+          <a:p>
+            <a:r>
+              <a:rPr lang="es-ES" sz="1400" dirty="0"/>
+              <a:t>,</a:t>
+            </a:r>
+            <a:endParaRPr lang="en-US" sz="1400" dirty="0"/>
+          </a:p>
+        </p:txBody>
+      </p:sp>
+      <p:cxnSp>
+        <p:nvCxnSpPr>
+          <p:cNvPr id="65" name="Conector recto 64"/>
           <p:cNvCxnSpPr>
-            <a:stCxn id="96" idx="2"/>
-            <a:endCxn id="109" idx="0"/>
+            <a:stCxn id="53" idx="2"/>
+            <a:endCxn id="78" idx="0"/>
           </p:cNvCxnSpPr>
           <p:nvPr/>
         </p:nvCxnSpPr>
         <p:spPr>
           <a:xfrm>
-            <a:off x="5597965" y="3813983"/>
-            <a:ext cx="0" cy="721220"/>
+            <a:off x="9194397" y="3787501"/>
+            <a:ext cx="1038323" cy="730827"/>
+          </a:xfrm>
+          <a:prstGeom prst="line">
+            <a:avLst/>
+          </a:prstGeom>
+        </p:spPr>
+        <p:style>
+          <a:lnRef idx="1">
+            <a:schemeClr val="accent1"/>
+          </a:lnRef>
+          <a:fillRef idx="0">
+            <a:schemeClr val="accent1"/>
+          </a:fillRef>
+          <a:effectRef idx="0">
+            <a:schemeClr val="accent1"/>
+          </a:effectRef>
+          <a:fontRef idx="minor">
+            <a:schemeClr val="tx1"/>
+          </a:fontRef>
+        </p:style>
+      </p:cxnSp>
+      <p:sp>
+        <p:nvSpPr>
+          <p:cNvPr id="82" name="CuadroTexto 81"/>
+          <p:cNvSpPr txBox="1"/>
+          <p:nvPr/>
+        </p:nvSpPr>
+        <p:spPr>
+          <a:xfrm>
+            <a:off x="2069738" y="4523302"/>
+            <a:ext cx="574196" cy="307777"/>
+          </a:xfrm>
+          <a:prstGeom prst="rect">
+            <a:avLst/>
+          </a:prstGeom>
+          <a:noFill/>
+        </p:spPr>
+        <p:txBody>
+          <a:bodyPr wrap="none" rtlCol="0">
+            <a:spAutoFit/>
+          </a:bodyPr>
+          <a:lstStyle/>
+          <a:p>
+            <a:r>
+              <a:rPr lang="es-ES" sz="1400" dirty="0"/>
+              <a:t>Color</a:t>
+            </a:r>
+            <a:endParaRPr lang="en-US" sz="1400" dirty="0"/>
+          </a:p>
+        </p:txBody>
+      </p:sp>
+      <p:sp>
+        <p:nvSpPr>
+          <p:cNvPr id="83" name="CuadroTexto 82">
+            <a:extLst>
+              <a:ext uri="{FF2B5EF4-FFF2-40B4-BE49-F238E27FC236}">
+                <a16:creationId xmlns:a16="http://schemas.microsoft.com/office/drawing/2014/main" id="{02B0C277-2696-4CDB-956F-F88346418039}"/>
+              </a:ext>
+            </a:extLst>
+          </p:cNvPr>
+          <p:cNvSpPr txBox="1"/>
+          <p:nvPr/>
+        </p:nvSpPr>
+        <p:spPr>
+          <a:xfrm>
+            <a:off x="11260770" y="6505047"/>
+            <a:ext cx="260008" cy="307777"/>
+          </a:xfrm>
+          <a:prstGeom prst="rect">
+            <a:avLst/>
+          </a:prstGeom>
+          <a:noFill/>
+        </p:spPr>
+        <p:txBody>
+          <a:bodyPr wrap="none" rtlCol="0">
+            <a:spAutoFit/>
+          </a:bodyPr>
+          <a:lstStyle/>
+          <a:p>
+            <a:r>
+              <a:rPr lang="es-ES" sz="1400" dirty="0"/>
+              <a:t>”</a:t>
+            </a:r>
+            <a:endParaRPr lang="en-US" sz="1400" dirty="0"/>
+          </a:p>
+        </p:txBody>
+      </p:sp>
+      <p:sp>
+        <p:nvSpPr>
+          <p:cNvPr id="84" name="CuadroTexto 83">
+            <a:extLst>
+              <a:ext uri="{FF2B5EF4-FFF2-40B4-BE49-F238E27FC236}">
+                <a16:creationId xmlns:a16="http://schemas.microsoft.com/office/drawing/2014/main" id="{02B0C277-2696-4CDB-956F-F88346418039}"/>
+              </a:ext>
+            </a:extLst>
+          </p:cNvPr>
+          <p:cNvSpPr txBox="1"/>
+          <p:nvPr/>
+        </p:nvSpPr>
+        <p:spPr>
+          <a:xfrm>
+            <a:off x="9110633" y="6513347"/>
+            <a:ext cx="260008" cy="307777"/>
+          </a:xfrm>
+          <a:prstGeom prst="rect">
+            <a:avLst/>
+          </a:prstGeom>
+          <a:noFill/>
+        </p:spPr>
+        <p:txBody>
+          <a:bodyPr wrap="none" rtlCol="0">
+            <a:spAutoFit/>
+          </a:bodyPr>
+          <a:lstStyle/>
+          <a:p>
+            <a:r>
+              <a:rPr lang="es-ES" sz="1400" dirty="0"/>
+              <a:t>“</a:t>
+            </a:r>
+            <a:endParaRPr lang="en-US" sz="1400" dirty="0"/>
+          </a:p>
+        </p:txBody>
+      </p:sp>
+      <p:sp>
+        <p:nvSpPr>
+          <p:cNvPr id="87" name="CuadroTexto 86">
+            <a:extLst>
+              <a:ext uri="{FF2B5EF4-FFF2-40B4-BE49-F238E27FC236}">
+                <a16:creationId xmlns:a16="http://schemas.microsoft.com/office/drawing/2014/main" id="{02B0C277-2696-4CDB-956F-F88346418039}"/>
+              </a:ext>
+            </a:extLst>
+          </p:cNvPr>
+          <p:cNvSpPr txBox="1"/>
+          <p:nvPr/>
+        </p:nvSpPr>
+        <p:spPr>
+          <a:xfrm>
+            <a:off x="10076002" y="7330343"/>
+            <a:ext cx="429156" cy="307777"/>
+          </a:xfrm>
+          <a:prstGeom prst="rect">
+            <a:avLst/>
+          </a:prstGeom>
+          <a:noFill/>
+        </p:spPr>
+        <p:txBody>
+          <a:bodyPr wrap="none" rtlCol="0">
+            <a:spAutoFit/>
+          </a:bodyPr>
+          <a:lstStyle/>
+          <a:p>
+            <a:r>
+              <a:rPr lang="es-ES" sz="1400" dirty="0"/>
+              <a:t>red</a:t>
+            </a:r>
+            <a:endParaRPr lang="en-US" sz="1400" dirty="0"/>
+          </a:p>
+        </p:txBody>
+      </p:sp>
+      <p:cxnSp>
+        <p:nvCxnSpPr>
+          <p:cNvPr id="73" name="Conector recto 72"/>
+          <p:cNvCxnSpPr>
+            <a:stCxn id="60" idx="2"/>
+            <a:endCxn id="84" idx="0"/>
+          </p:cNvCxnSpPr>
+          <p:nvPr/>
+        </p:nvCxnSpPr>
+        <p:spPr>
+          <a:xfrm>
+            <a:off x="9240637" y="5864709"/>
+            <a:ext cx="0" cy="648638"/>
+          </a:xfrm>
+          <a:prstGeom prst="line">
+            <a:avLst/>
+          </a:prstGeom>
+          <a:ln>
+            <a:solidFill>
+              <a:schemeClr val="accent2"/>
+            </a:solidFill>
+          </a:ln>
+        </p:spPr>
+        <p:style>
+          <a:lnRef idx="1">
+            <a:schemeClr val="accent1"/>
+          </a:lnRef>
+          <a:fillRef idx="0">
+            <a:schemeClr val="accent1"/>
+          </a:fillRef>
+          <a:effectRef idx="0">
+            <a:schemeClr val="accent1"/>
+          </a:effectRef>
+          <a:fontRef idx="minor">
+            <a:schemeClr val="tx1"/>
+          </a:fontRef>
+        </p:style>
+      </p:cxnSp>
+      <p:cxnSp>
+        <p:nvCxnSpPr>
+          <p:cNvPr id="85" name="Conector recto 84"/>
+          <p:cNvCxnSpPr>
+            <a:stCxn id="60" idx="2"/>
+            <a:endCxn id="83" idx="0"/>
+          </p:cNvCxnSpPr>
+          <p:nvPr/>
+        </p:nvCxnSpPr>
+        <p:spPr>
+          <a:xfrm>
+            <a:off x="9240637" y="5864709"/>
+            <a:ext cx="2150137" cy="640338"/>
+          </a:xfrm>
+          <a:prstGeom prst="line">
+            <a:avLst/>
+          </a:prstGeom>
+          <a:ln>
+            <a:solidFill>
+              <a:schemeClr val="accent2"/>
+            </a:solidFill>
+          </a:ln>
+        </p:spPr>
+        <p:style>
+          <a:lnRef idx="1">
+            <a:schemeClr val="accent1"/>
+          </a:lnRef>
+          <a:fillRef idx="0">
+            <a:schemeClr val="accent1"/>
+          </a:fillRef>
+          <a:effectRef idx="0">
+            <a:schemeClr val="accent1"/>
+          </a:effectRef>
+          <a:fontRef idx="minor">
+            <a:schemeClr val="tx1"/>
+          </a:fontRef>
+        </p:style>
+      </p:cxnSp>
+      <p:cxnSp>
+        <p:nvCxnSpPr>
+          <p:cNvPr id="88" name="Conector recto 87"/>
+          <p:cNvCxnSpPr>
+            <a:stCxn id="59" idx="2"/>
+            <a:endCxn id="87" idx="0"/>
+          </p:cNvCxnSpPr>
+          <p:nvPr/>
+        </p:nvCxnSpPr>
+        <p:spPr>
+          <a:xfrm>
+            <a:off x="10290580" y="6819662"/>
+            <a:ext cx="0" cy="510681"/>
+          </a:xfrm>
+          <a:prstGeom prst="line">
+            <a:avLst/>
+          </a:prstGeom>
+        </p:spPr>
+        <p:style>
+          <a:lnRef idx="1">
+            <a:schemeClr val="accent1"/>
+          </a:lnRef>
+          <a:fillRef idx="0">
+            <a:schemeClr val="accent1"/>
+          </a:fillRef>
+          <a:effectRef idx="0">
+            <a:schemeClr val="accent1"/>
+          </a:effectRef>
+          <a:fontRef idx="minor">
+            <a:schemeClr val="tx1"/>
+          </a:fontRef>
+        </p:style>
+      </p:cxnSp>
+      <p:cxnSp>
+        <p:nvCxnSpPr>
+          <p:cNvPr id="91" name="Conector recto 90"/>
+          <p:cNvCxnSpPr>
+            <a:stCxn id="42" idx="2"/>
+            <a:endCxn id="99" idx="0"/>
+          </p:cNvCxnSpPr>
+          <p:nvPr/>
+        </p:nvCxnSpPr>
+        <p:spPr>
+          <a:xfrm>
+            <a:off x="3618702" y="2635691"/>
+            <a:ext cx="0" cy="844032"/>
+          </a:xfrm>
+          <a:prstGeom prst="line">
+            <a:avLst/>
+          </a:prstGeom>
+          <a:ln>
+            <a:solidFill>
+              <a:schemeClr val="accent6"/>
+            </a:solidFill>
+          </a:ln>
+        </p:spPr>
+        <p:style>
+          <a:lnRef idx="1">
+            <a:schemeClr val="accent1"/>
+          </a:lnRef>
+          <a:fillRef idx="0">
+            <a:schemeClr val="accent1"/>
+          </a:fillRef>
+          <a:effectRef idx="0">
+            <a:schemeClr val="accent1"/>
+          </a:effectRef>
+          <a:fontRef idx="minor">
+            <a:schemeClr val="tx1"/>
+          </a:fontRef>
+        </p:style>
+      </p:cxnSp>
+      <p:sp>
+        <p:nvSpPr>
+          <p:cNvPr id="99" name="CuadroTexto 98">
+            <a:extLst>
+              <a:ext uri="{FF2B5EF4-FFF2-40B4-BE49-F238E27FC236}">
+                <a16:creationId xmlns:a16="http://schemas.microsoft.com/office/drawing/2014/main" id="{02B0C277-2696-4CDB-956F-F88346418039}"/>
+              </a:ext>
+            </a:extLst>
+          </p:cNvPr>
+          <p:cNvSpPr txBox="1"/>
+          <p:nvPr/>
+        </p:nvSpPr>
+        <p:spPr>
+          <a:xfrm>
+            <a:off x="2934989" y="3479723"/>
+            <a:ext cx="1367426" cy="307777"/>
+          </a:xfrm>
+          <a:prstGeom prst="rect">
+            <a:avLst/>
+          </a:prstGeom>
+          <a:noFill/>
+        </p:spPr>
+        <p:txBody>
+          <a:bodyPr wrap="none" rtlCol="0">
+            <a:spAutoFit/>
+          </a:bodyPr>
+          <a:lstStyle/>
+          <a:p>
+            <a:r>
+              <a:rPr lang="es-ES" sz="1400" dirty="0"/>
+              <a:t>COMPLEMENTO</a:t>
+            </a:r>
+            <a:endParaRPr lang="en-US" sz="1400" dirty="0"/>
+          </a:p>
+        </p:txBody>
+      </p:sp>
+      <p:sp>
+        <p:nvSpPr>
+          <p:cNvPr id="100" name="CuadroTexto 99">
+            <a:extLst>
+              <a:ext uri="{FF2B5EF4-FFF2-40B4-BE49-F238E27FC236}">
+                <a16:creationId xmlns:a16="http://schemas.microsoft.com/office/drawing/2014/main" id="{02B0C277-2696-4CDB-956F-F88346418039}"/>
+              </a:ext>
+            </a:extLst>
+          </p:cNvPr>
+          <p:cNvSpPr txBox="1"/>
+          <p:nvPr/>
+        </p:nvSpPr>
+        <p:spPr>
+          <a:xfrm>
+            <a:off x="4655147" y="3479724"/>
+            <a:ext cx="260008" cy="307777"/>
+          </a:xfrm>
+          <a:prstGeom prst="rect">
+            <a:avLst/>
+          </a:prstGeom>
+          <a:noFill/>
+        </p:spPr>
+        <p:txBody>
+          <a:bodyPr wrap="none" rtlCol="0">
+            <a:spAutoFit/>
+          </a:bodyPr>
+          <a:lstStyle/>
+          <a:p>
+            <a:r>
+              <a:rPr lang="es-ES" sz="1400" dirty="0"/>
+              <a:t>”</a:t>
+            </a:r>
+            <a:endParaRPr lang="en-US" sz="1400" dirty="0"/>
+          </a:p>
+        </p:txBody>
+      </p:sp>
+      <p:sp>
+        <p:nvSpPr>
+          <p:cNvPr id="101" name="CuadroTexto 100">
+            <a:extLst>
+              <a:ext uri="{FF2B5EF4-FFF2-40B4-BE49-F238E27FC236}">
+                <a16:creationId xmlns:a16="http://schemas.microsoft.com/office/drawing/2014/main" id="{02B0C277-2696-4CDB-956F-F88346418039}"/>
+              </a:ext>
+            </a:extLst>
+          </p:cNvPr>
+          <p:cNvSpPr txBox="1"/>
+          <p:nvPr/>
+        </p:nvSpPr>
+        <p:spPr>
+          <a:xfrm>
+            <a:off x="2205653" y="3479723"/>
+            <a:ext cx="260008" cy="307777"/>
+          </a:xfrm>
+          <a:prstGeom prst="rect">
+            <a:avLst/>
+          </a:prstGeom>
+          <a:noFill/>
+        </p:spPr>
+        <p:txBody>
+          <a:bodyPr wrap="none" rtlCol="0">
+            <a:spAutoFit/>
+          </a:bodyPr>
+          <a:lstStyle/>
+          <a:p>
+            <a:r>
+              <a:rPr lang="es-ES" sz="1400" dirty="0"/>
+              <a:t>“</a:t>
+            </a:r>
+            <a:endParaRPr lang="en-US" sz="1400" dirty="0"/>
+          </a:p>
+        </p:txBody>
+      </p:sp>
+      <p:cxnSp>
+        <p:nvCxnSpPr>
+          <p:cNvPr id="111" name="Conector recto 110"/>
+          <p:cNvCxnSpPr>
+            <a:stCxn id="42" idx="2"/>
+            <a:endCxn id="101" idx="0"/>
+          </p:cNvCxnSpPr>
+          <p:nvPr/>
+        </p:nvCxnSpPr>
+        <p:spPr>
+          <a:xfrm flipH="1">
+            <a:off x="2335657" y="2635691"/>
+            <a:ext cx="1283045" cy="844032"/>
+          </a:xfrm>
+          <a:prstGeom prst="line">
+            <a:avLst/>
+          </a:prstGeom>
+          <a:ln>
+            <a:solidFill>
+              <a:schemeClr val="accent6"/>
+            </a:solidFill>
+          </a:ln>
+        </p:spPr>
+        <p:style>
+          <a:lnRef idx="1">
+            <a:schemeClr val="accent1"/>
+          </a:lnRef>
+          <a:fillRef idx="0">
+            <a:schemeClr val="accent1"/>
+          </a:fillRef>
+          <a:effectRef idx="0">
+            <a:schemeClr val="accent1"/>
+          </a:effectRef>
+          <a:fontRef idx="minor">
+            <a:schemeClr val="tx1"/>
+          </a:fontRef>
+        </p:style>
+      </p:cxnSp>
+      <p:cxnSp>
+        <p:nvCxnSpPr>
+          <p:cNvPr id="113" name="Conector recto 112"/>
+          <p:cNvCxnSpPr>
+            <a:stCxn id="42" idx="2"/>
+            <a:endCxn id="100" idx="0"/>
+          </p:cNvCxnSpPr>
+          <p:nvPr/>
+        </p:nvCxnSpPr>
+        <p:spPr>
+          <a:xfrm>
+            <a:off x="3618702" y="2635691"/>
+            <a:ext cx="1166449" cy="844033"/>
+          </a:xfrm>
+          <a:prstGeom prst="line">
+            <a:avLst/>
+          </a:prstGeom>
+          <a:ln>
+            <a:solidFill>
+              <a:schemeClr val="accent6"/>
+            </a:solidFill>
+          </a:ln>
+        </p:spPr>
+        <p:style>
+          <a:lnRef idx="1">
+            <a:schemeClr val="accent1"/>
+          </a:lnRef>
+          <a:fillRef idx="0">
+            <a:schemeClr val="accent1"/>
+          </a:fillRef>
+          <a:effectRef idx="0">
+            <a:schemeClr val="accent1"/>
+          </a:effectRef>
+          <a:fontRef idx="minor">
+            <a:schemeClr val="tx1"/>
+          </a:fontRef>
+        </p:style>
+      </p:cxnSp>
+      <p:sp>
+        <p:nvSpPr>
+          <p:cNvPr id="114" name="CuadroTexto 113">
+            <a:extLst>
+              <a:ext uri="{FF2B5EF4-FFF2-40B4-BE49-F238E27FC236}">
+                <a16:creationId xmlns:a16="http://schemas.microsoft.com/office/drawing/2014/main" id="{02B0C277-2696-4CDB-956F-F88346418039}"/>
+              </a:ext>
+            </a:extLst>
+          </p:cNvPr>
+          <p:cNvSpPr txBox="1"/>
+          <p:nvPr/>
+        </p:nvSpPr>
+        <p:spPr>
+          <a:xfrm>
+            <a:off x="4915155" y="4518328"/>
+            <a:ext cx="1367426" cy="307777"/>
+          </a:xfrm>
+          <a:prstGeom prst="rect">
+            <a:avLst/>
+          </a:prstGeom>
+          <a:noFill/>
+        </p:spPr>
+        <p:txBody>
+          <a:bodyPr wrap="none" rtlCol="0">
+            <a:spAutoFit/>
+          </a:bodyPr>
+          <a:lstStyle/>
+          <a:p>
+            <a:r>
+              <a:rPr lang="es-ES" sz="1400" dirty="0"/>
+              <a:t>COMPLEMENTO</a:t>
+            </a:r>
+            <a:endParaRPr lang="en-US" sz="1400" dirty="0"/>
+          </a:p>
+        </p:txBody>
+      </p:sp>
+      <p:cxnSp>
+        <p:nvCxnSpPr>
+          <p:cNvPr id="116" name="Conector recto 115"/>
+          <p:cNvCxnSpPr>
+            <a:stCxn id="99" idx="2"/>
+            <a:endCxn id="82" idx="0"/>
+          </p:cNvCxnSpPr>
+          <p:nvPr/>
+        </p:nvCxnSpPr>
+        <p:spPr>
+          <a:xfrm flipH="1">
+            <a:off x="2356836" y="3787500"/>
+            <a:ext cx="1261866" cy="735802"/>
+          </a:xfrm>
+          <a:prstGeom prst="line">
+            <a:avLst/>
+          </a:prstGeom>
+          <a:ln>
+            <a:solidFill>
+              <a:schemeClr val="accent2"/>
+            </a:solidFill>
+          </a:ln>
+        </p:spPr>
+        <p:style>
+          <a:lnRef idx="1">
+            <a:schemeClr val="accent1"/>
+          </a:lnRef>
+          <a:fillRef idx="0">
+            <a:schemeClr val="accent1"/>
+          </a:fillRef>
+          <a:effectRef idx="0">
+            <a:schemeClr val="accent1"/>
+          </a:effectRef>
+          <a:fontRef idx="minor">
+            <a:schemeClr val="tx1"/>
+          </a:fontRef>
+        </p:style>
+      </p:cxnSp>
+      <p:cxnSp>
+        <p:nvCxnSpPr>
+          <p:cNvPr id="118" name="Conector recto 117"/>
+          <p:cNvCxnSpPr>
+            <a:stCxn id="99" idx="2"/>
+            <a:endCxn id="114" idx="0"/>
+          </p:cNvCxnSpPr>
+          <p:nvPr/>
+        </p:nvCxnSpPr>
+        <p:spPr>
+          <a:xfrm>
+            <a:off x="3618702" y="3787500"/>
+            <a:ext cx="1980166" cy="730828"/>
+          </a:xfrm>
+          <a:prstGeom prst="line">
+            <a:avLst/>
+          </a:prstGeom>
+          <a:ln>
+            <a:solidFill>
+              <a:schemeClr val="accent2"/>
+            </a:solidFill>
+          </a:ln>
+        </p:spPr>
+        <p:style>
+          <a:lnRef idx="1">
+            <a:schemeClr val="accent1"/>
+          </a:lnRef>
+          <a:fillRef idx="0">
+            <a:schemeClr val="accent1"/>
+          </a:fillRef>
+          <a:effectRef idx="0">
+            <a:schemeClr val="accent1"/>
+          </a:effectRef>
+          <a:fontRef idx="minor">
+            <a:schemeClr val="tx1"/>
+          </a:fontRef>
+        </p:style>
+      </p:cxnSp>
+      <p:sp>
+        <p:nvSpPr>
+          <p:cNvPr id="121" name="CuadroTexto 120"/>
+          <p:cNvSpPr txBox="1"/>
+          <p:nvPr/>
+        </p:nvSpPr>
+        <p:spPr>
+          <a:xfrm>
+            <a:off x="2949485" y="4518328"/>
+            <a:ext cx="1324978" cy="307777"/>
+          </a:xfrm>
+          <a:prstGeom prst="rect">
+            <a:avLst/>
+          </a:prstGeom>
+          <a:noFill/>
+        </p:spPr>
+        <p:txBody>
+          <a:bodyPr wrap="none" rtlCol="0">
+            <a:spAutoFit/>
+          </a:bodyPr>
+          <a:lstStyle/>
+          <a:p>
+            <a:r>
+              <a:rPr lang="es-ES" sz="1400" dirty="0"/>
+              <a:t>TIPO_ENTRADA</a:t>
+            </a:r>
+            <a:endParaRPr lang="en-US" sz="1400" dirty="0"/>
+          </a:p>
+        </p:txBody>
+      </p:sp>
+      <p:cxnSp>
+        <p:nvCxnSpPr>
+          <p:cNvPr id="124" name="Conector recto 123"/>
+          <p:cNvCxnSpPr>
+            <a:stCxn id="99" idx="2"/>
+            <a:endCxn id="121" idx="0"/>
+          </p:cNvCxnSpPr>
+          <p:nvPr/>
+        </p:nvCxnSpPr>
+        <p:spPr>
+          <a:xfrm flipH="1">
+            <a:off x="3611974" y="3787500"/>
+            <a:ext cx="6728" cy="730828"/>
+          </a:xfrm>
+          <a:prstGeom prst="line">
+            <a:avLst/>
+          </a:prstGeom>
+          <a:ln>
+            <a:solidFill>
+              <a:schemeClr val="accent2"/>
+            </a:solidFill>
+          </a:ln>
+        </p:spPr>
+        <p:style>
+          <a:lnRef idx="1">
+            <a:schemeClr val="accent1"/>
+          </a:lnRef>
+          <a:fillRef idx="0">
+            <a:schemeClr val="accent1"/>
+          </a:fillRef>
+          <a:effectRef idx="0">
+            <a:schemeClr val="accent1"/>
+          </a:effectRef>
+          <a:fontRef idx="minor">
+            <a:schemeClr val="tx1"/>
+          </a:fontRef>
+        </p:style>
+      </p:cxnSp>
+      <p:sp>
+        <p:nvSpPr>
+          <p:cNvPr id="127" name="CuadroTexto 126"/>
+          <p:cNvSpPr txBox="1"/>
+          <p:nvPr/>
+        </p:nvSpPr>
+        <p:spPr>
+          <a:xfrm>
+            <a:off x="2493248" y="5515107"/>
+            <a:ext cx="312906" cy="307777"/>
+          </a:xfrm>
+          <a:prstGeom prst="rect">
+            <a:avLst/>
+          </a:prstGeom>
+          <a:noFill/>
+        </p:spPr>
+        <p:txBody>
+          <a:bodyPr wrap="none" rtlCol="0">
+            <a:spAutoFit/>
+          </a:bodyPr>
+          <a:lstStyle/>
+          <a:p>
+            <a:r>
+              <a:rPr lang="es-ES" sz="1400" dirty="0"/>
+              <a:t>%</a:t>
+            </a:r>
+            <a:endParaRPr lang="en-US" sz="1400" dirty="0"/>
+          </a:p>
+        </p:txBody>
+      </p:sp>
+      <p:cxnSp>
+        <p:nvCxnSpPr>
+          <p:cNvPr id="129" name="Conector recto 128"/>
+          <p:cNvCxnSpPr>
+            <a:stCxn id="121" idx="2"/>
+            <a:endCxn id="127" idx="0"/>
+          </p:cNvCxnSpPr>
+          <p:nvPr/>
+        </p:nvCxnSpPr>
+        <p:spPr>
+          <a:xfrm flipH="1">
+            <a:off x="2649701" y="4826105"/>
+            <a:ext cx="962273" cy="689002"/>
+          </a:xfrm>
+          <a:prstGeom prst="line">
+            <a:avLst/>
+          </a:prstGeom>
+          <a:ln>
+            <a:solidFill>
+              <a:schemeClr val="accent4"/>
+            </a:solidFill>
+          </a:ln>
+        </p:spPr>
+        <p:style>
+          <a:lnRef idx="1">
+            <a:schemeClr val="accent1"/>
+          </a:lnRef>
+          <a:fillRef idx="0">
+            <a:schemeClr val="accent1"/>
+          </a:fillRef>
+          <a:effectRef idx="0">
+            <a:schemeClr val="accent1"/>
+          </a:effectRef>
+          <a:fontRef idx="minor">
+            <a:schemeClr val="tx1"/>
+          </a:fontRef>
+        </p:style>
+      </p:cxnSp>
+      <p:sp>
+        <p:nvSpPr>
+          <p:cNvPr id="132" name="CuadroTexto 131"/>
+          <p:cNvSpPr txBox="1"/>
+          <p:nvPr/>
+        </p:nvSpPr>
+        <p:spPr>
+          <a:xfrm>
+            <a:off x="4072904" y="5556931"/>
+            <a:ext cx="826188" cy="307777"/>
+          </a:xfrm>
+          <a:prstGeom prst="rect">
+            <a:avLst/>
+          </a:prstGeom>
+          <a:noFill/>
+        </p:spPr>
+        <p:txBody>
+          <a:bodyPr wrap="none" rtlCol="0">
+            <a:spAutoFit/>
+          </a:bodyPr>
+          <a:lstStyle/>
+          <a:p>
+            <a:r>
+              <a:rPr lang="es-ES" sz="1400" dirty="0"/>
+              <a:t>,Número</a:t>
+            </a:r>
+            <a:endParaRPr lang="en-US" sz="1400" dirty="0"/>
+          </a:p>
+        </p:txBody>
+      </p:sp>
+      <p:sp>
+        <p:nvSpPr>
+          <p:cNvPr id="133" name="CuadroTexto 132">
+            <a:extLst>
+              <a:ext uri="{FF2B5EF4-FFF2-40B4-BE49-F238E27FC236}">
+                <a16:creationId xmlns:a16="http://schemas.microsoft.com/office/drawing/2014/main" id="{02B0C277-2696-4CDB-956F-F88346418039}"/>
+              </a:ext>
+            </a:extLst>
+          </p:cNvPr>
+          <p:cNvSpPr txBox="1"/>
+          <p:nvPr/>
+        </p:nvSpPr>
+        <p:spPr>
+          <a:xfrm>
+            <a:off x="6435585" y="5515107"/>
+            <a:ext cx="1367426" cy="307777"/>
+          </a:xfrm>
+          <a:prstGeom prst="rect">
+            <a:avLst/>
+          </a:prstGeom>
+          <a:noFill/>
+        </p:spPr>
+        <p:txBody>
+          <a:bodyPr wrap="none" rtlCol="0">
+            <a:spAutoFit/>
+          </a:bodyPr>
+          <a:lstStyle/>
+          <a:p>
+            <a:r>
+              <a:rPr lang="es-ES" sz="1400" dirty="0"/>
+              <a:t>COMPLEMENTO</a:t>
+            </a:r>
+            <a:endParaRPr lang="en-US" sz="1400" dirty="0"/>
+          </a:p>
+        </p:txBody>
+      </p:sp>
+      <p:sp>
+        <p:nvSpPr>
+          <p:cNvPr id="134" name="CuadroTexto 133"/>
+          <p:cNvSpPr txBox="1"/>
+          <p:nvPr/>
+        </p:nvSpPr>
+        <p:spPr>
+          <a:xfrm>
+            <a:off x="4931056" y="5556932"/>
+            <a:ext cx="1324978" cy="307777"/>
+          </a:xfrm>
+          <a:prstGeom prst="rect">
+            <a:avLst/>
+          </a:prstGeom>
+          <a:noFill/>
+        </p:spPr>
+        <p:txBody>
+          <a:bodyPr wrap="none" rtlCol="0">
+            <a:spAutoFit/>
+          </a:bodyPr>
+          <a:lstStyle/>
+          <a:p>
+            <a:r>
+              <a:rPr lang="es-ES" sz="1400" dirty="0"/>
+              <a:t>TIPO_ENTRADA</a:t>
+            </a:r>
+            <a:endParaRPr lang="en-US" sz="1400" dirty="0"/>
+          </a:p>
+        </p:txBody>
+      </p:sp>
+      <p:sp>
+        <p:nvSpPr>
+          <p:cNvPr id="144" name="CuadroTexto 143"/>
+          <p:cNvSpPr txBox="1"/>
+          <p:nvPr/>
+        </p:nvSpPr>
+        <p:spPr>
+          <a:xfrm>
+            <a:off x="4673670" y="6511885"/>
+            <a:ext cx="491846" cy="307777"/>
+          </a:xfrm>
+          <a:prstGeom prst="rect">
+            <a:avLst/>
+          </a:prstGeom>
+          <a:noFill/>
+        </p:spPr>
+        <p:txBody>
+          <a:bodyPr wrap="square" rtlCol="0">
+            <a:spAutoFit/>
+          </a:bodyPr>
+          <a:lstStyle/>
+          <a:p>
+            <a:r>
+              <a:rPr lang="es-ES" sz="1400" dirty="0"/>
+              <a:t>%</a:t>
+            </a:r>
+            <a:endParaRPr lang="en-US" sz="1400" dirty="0"/>
+          </a:p>
+        </p:txBody>
+      </p:sp>
+      <p:sp>
+        <p:nvSpPr>
+          <p:cNvPr id="147" name="CuadroTexto 146"/>
+          <p:cNvSpPr txBox="1"/>
+          <p:nvPr/>
+        </p:nvSpPr>
+        <p:spPr>
+          <a:xfrm>
+            <a:off x="6351767" y="6508776"/>
+            <a:ext cx="364202" cy="307777"/>
+          </a:xfrm>
+          <a:prstGeom prst="rect">
+            <a:avLst/>
+          </a:prstGeom>
+          <a:noFill/>
+        </p:spPr>
+        <p:txBody>
+          <a:bodyPr wrap="none" rtlCol="0">
+            <a:spAutoFit/>
+          </a:bodyPr>
+          <a:lstStyle/>
+          <a:p>
+            <a:r>
+              <a:rPr lang="es-ES" sz="1400" dirty="0"/>
+              <a:t>,Pi</a:t>
+            </a:r>
+            <a:endParaRPr lang="en-US" sz="1400" dirty="0"/>
+          </a:p>
+        </p:txBody>
+      </p:sp>
+      <p:sp>
+        <p:nvSpPr>
+          <p:cNvPr id="149" name="CuadroTexto 148"/>
+          <p:cNvSpPr txBox="1"/>
+          <p:nvPr/>
+        </p:nvSpPr>
+        <p:spPr>
+          <a:xfrm>
+            <a:off x="7134408" y="6505048"/>
+            <a:ext cx="1324978" cy="307777"/>
+          </a:xfrm>
+          <a:prstGeom prst="rect">
+            <a:avLst/>
+          </a:prstGeom>
+          <a:noFill/>
+        </p:spPr>
+        <p:txBody>
+          <a:bodyPr wrap="none" rtlCol="0">
+            <a:spAutoFit/>
+          </a:bodyPr>
+          <a:lstStyle/>
+          <a:p>
+            <a:r>
+              <a:rPr lang="es-ES" sz="1400" dirty="0"/>
+              <a:t>TIPO_ENTRADA</a:t>
+            </a:r>
+            <a:endParaRPr lang="en-US" sz="1400" dirty="0"/>
+          </a:p>
+        </p:txBody>
+      </p:sp>
+      <p:sp>
+        <p:nvSpPr>
+          <p:cNvPr id="153" name="CuadroTexto 152"/>
+          <p:cNvSpPr txBox="1"/>
+          <p:nvPr/>
+        </p:nvSpPr>
+        <p:spPr>
+          <a:xfrm>
+            <a:off x="7577312" y="7341100"/>
+            <a:ext cx="445056" cy="307777"/>
+          </a:xfrm>
+          <a:prstGeom prst="rect">
+            <a:avLst/>
+          </a:prstGeom>
+          <a:noFill/>
+        </p:spPr>
+        <p:txBody>
+          <a:bodyPr wrap="square" rtlCol="0">
+            <a:spAutoFit/>
+          </a:bodyPr>
+          <a:lstStyle/>
+          <a:p>
+            <a:r>
+              <a:rPr lang="es-ES" sz="1400" dirty="0"/>
+              <a:t>5.2</a:t>
+            </a:r>
+            <a:endParaRPr lang="en-US" sz="1400" dirty="0"/>
+          </a:p>
+        </p:txBody>
+      </p:sp>
+      <p:sp>
+        <p:nvSpPr>
+          <p:cNvPr id="154" name="CuadroTexto 153"/>
+          <p:cNvSpPr txBox="1"/>
+          <p:nvPr/>
+        </p:nvSpPr>
+        <p:spPr>
+          <a:xfrm>
+            <a:off x="3292816" y="5515107"/>
+            <a:ext cx="638316" cy="307777"/>
+          </a:xfrm>
+          <a:prstGeom prst="rect">
+            <a:avLst/>
+          </a:prstGeom>
+          <a:noFill/>
+        </p:spPr>
+        <p:txBody>
+          <a:bodyPr wrap="none" rtlCol="0">
+            <a:spAutoFit/>
+          </a:bodyPr>
+          <a:lstStyle/>
+          <a:p>
+            <a:r>
+              <a:rPr lang="es-ES" sz="1400" dirty="0"/>
+              <a:t>LETRA</a:t>
+            </a:r>
+            <a:endParaRPr lang="en-US" sz="1400" dirty="0"/>
+          </a:p>
+        </p:txBody>
+      </p:sp>
+      <p:cxnSp>
+        <p:nvCxnSpPr>
+          <p:cNvPr id="247" name="Conector recto 246"/>
+          <p:cNvCxnSpPr>
+            <a:stCxn id="114" idx="2"/>
+            <a:endCxn id="132" idx="0"/>
+          </p:cNvCxnSpPr>
+          <p:nvPr/>
+        </p:nvCxnSpPr>
+        <p:spPr>
+          <a:xfrm flipH="1">
+            <a:off x="4485998" y="4826105"/>
+            <a:ext cx="1112870" cy="730826"/>
+          </a:xfrm>
+          <a:prstGeom prst="line">
+            <a:avLst/>
+          </a:prstGeom>
+        </p:spPr>
+        <p:style>
+          <a:lnRef idx="1">
+            <a:schemeClr val="accent1"/>
+          </a:lnRef>
+          <a:fillRef idx="0">
+            <a:schemeClr val="accent1"/>
+          </a:fillRef>
+          <a:effectRef idx="0">
+            <a:schemeClr val="accent1"/>
+          </a:effectRef>
+          <a:fontRef idx="minor">
+            <a:schemeClr val="tx1"/>
+          </a:fontRef>
+        </p:style>
+      </p:cxnSp>
+      <p:cxnSp>
+        <p:nvCxnSpPr>
+          <p:cNvPr id="249" name="Conector recto 248"/>
+          <p:cNvCxnSpPr>
+            <a:stCxn id="114" idx="2"/>
+            <a:endCxn id="134" idx="0"/>
+          </p:cNvCxnSpPr>
+          <p:nvPr/>
+        </p:nvCxnSpPr>
+        <p:spPr>
+          <a:xfrm flipH="1">
+            <a:off x="5593545" y="4826105"/>
+            <a:ext cx="5323" cy="730827"/>
+          </a:xfrm>
+          <a:prstGeom prst="line">
+            <a:avLst/>
+          </a:prstGeom>
+        </p:spPr>
+        <p:style>
+          <a:lnRef idx="1">
+            <a:schemeClr val="accent1"/>
+          </a:lnRef>
+          <a:fillRef idx="0">
+            <a:schemeClr val="accent1"/>
+          </a:fillRef>
+          <a:effectRef idx="0">
+            <a:schemeClr val="accent1"/>
+          </a:effectRef>
+          <a:fontRef idx="minor">
+            <a:schemeClr val="tx1"/>
+          </a:fontRef>
+        </p:style>
+      </p:cxnSp>
+      <p:cxnSp>
+        <p:nvCxnSpPr>
+          <p:cNvPr id="251" name="Conector recto 250"/>
+          <p:cNvCxnSpPr>
+            <a:stCxn id="114" idx="2"/>
+            <a:endCxn id="133" idx="0"/>
+          </p:cNvCxnSpPr>
+          <p:nvPr/>
+        </p:nvCxnSpPr>
+        <p:spPr>
+          <a:xfrm>
+            <a:off x="5598868" y="4826105"/>
+            <a:ext cx="1520430" cy="689002"/>
+          </a:xfrm>
+          <a:prstGeom prst="line">
+            <a:avLst/>
+          </a:prstGeom>
+        </p:spPr>
+        <p:style>
+          <a:lnRef idx="1">
+            <a:schemeClr val="accent1"/>
+          </a:lnRef>
+          <a:fillRef idx="0">
+            <a:schemeClr val="accent1"/>
+          </a:fillRef>
+          <a:effectRef idx="0">
+            <a:schemeClr val="accent1"/>
+          </a:effectRef>
+          <a:fontRef idx="minor">
+            <a:schemeClr val="tx1"/>
+          </a:fontRef>
+        </p:style>
+      </p:cxnSp>
+      <p:cxnSp>
+        <p:nvCxnSpPr>
+          <p:cNvPr id="260" name="Conector recto 259"/>
+          <p:cNvCxnSpPr>
+            <a:stCxn id="121" idx="2"/>
+            <a:endCxn id="154" idx="0"/>
+          </p:cNvCxnSpPr>
+          <p:nvPr/>
+        </p:nvCxnSpPr>
+        <p:spPr>
+          <a:xfrm>
+            <a:off x="3611974" y="4826105"/>
+            <a:ext cx="0" cy="689002"/>
+          </a:xfrm>
+          <a:prstGeom prst="line">
+            <a:avLst/>
+          </a:prstGeom>
+          <a:ln>
+            <a:solidFill>
+              <a:schemeClr val="accent4"/>
+            </a:solidFill>
+          </a:ln>
+        </p:spPr>
+        <p:style>
+          <a:lnRef idx="1">
+            <a:schemeClr val="accent1"/>
+          </a:lnRef>
+          <a:fillRef idx="0">
+            <a:schemeClr val="accent1"/>
+          </a:fillRef>
+          <a:effectRef idx="0">
+            <a:schemeClr val="accent1"/>
+          </a:effectRef>
+          <a:fontRef idx="minor">
+            <a:schemeClr val="tx1"/>
+          </a:fontRef>
+        </p:style>
+      </p:cxnSp>
+      <p:sp>
+        <p:nvSpPr>
+          <p:cNvPr id="261" name="CuadroTexto 260"/>
+          <p:cNvSpPr txBox="1"/>
+          <p:nvPr/>
+        </p:nvSpPr>
+        <p:spPr>
+          <a:xfrm>
+            <a:off x="3484375" y="6511886"/>
+            <a:ext cx="255198" cy="307777"/>
+          </a:xfrm>
+          <a:prstGeom prst="rect">
+            <a:avLst/>
+          </a:prstGeom>
+          <a:noFill/>
+        </p:spPr>
+        <p:txBody>
+          <a:bodyPr wrap="none" rtlCol="0">
+            <a:spAutoFit/>
+          </a:bodyPr>
+          <a:lstStyle/>
+          <a:p>
+            <a:r>
+              <a:rPr lang="es-ES" sz="1400" dirty="0"/>
+              <a:t>s</a:t>
+            </a:r>
+            <a:endParaRPr lang="en-US" sz="1400" dirty="0"/>
+          </a:p>
+        </p:txBody>
+      </p:sp>
+      <p:cxnSp>
+        <p:nvCxnSpPr>
+          <p:cNvPr id="264" name="Conector recto 263"/>
+          <p:cNvCxnSpPr>
+            <a:stCxn id="154" idx="2"/>
+            <a:endCxn id="261" idx="0"/>
+          </p:cNvCxnSpPr>
+          <p:nvPr/>
+        </p:nvCxnSpPr>
+        <p:spPr>
+          <a:xfrm>
+            <a:off x="3611974" y="5822884"/>
+            <a:ext cx="0" cy="689002"/>
+          </a:xfrm>
+          <a:prstGeom prst="line">
+            <a:avLst/>
+          </a:prstGeom>
+        </p:spPr>
+        <p:style>
+          <a:lnRef idx="1">
+            <a:schemeClr val="accent1"/>
+          </a:lnRef>
+          <a:fillRef idx="0">
+            <a:schemeClr val="accent1"/>
+          </a:fillRef>
+          <a:effectRef idx="0">
+            <a:schemeClr val="accent1"/>
+          </a:effectRef>
+          <a:fontRef idx="minor">
+            <a:schemeClr val="tx1"/>
+          </a:fontRef>
+        </p:style>
+      </p:cxnSp>
+      <p:sp>
+        <p:nvSpPr>
+          <p:cNvPr id="277" name="CuadroTexto 276"/>
+          <p:cNvSpPr txBox="1"/>
+          <p:nvPr/>
+        </p:nvSpPr>
+        <p:spPr>
+          <a:xfrm>
+            <a:off x="5275680" y="6511885"/>
+            <a:ext cx="638316" cy="307777"/>
+          </a:xfrm>
+          <a:prstGeom prst="rect">
+            <a:avLst/>
+          </a:prstGeom>
+          <a:noFill/>
+        </p:spPr>
+        <p:txBody>
+          <a:bodyPr wrap="none" rtlCol="0">
+            <a:spAutoFit/>
+          </a:bodyPr>
+          <a:lstStyle/>
+          <a:p>
+            <a:r>
+              <a:rPr lang="es-ES" sz="1400" dirty="0"/>
+              <a:t>LETRA</a:t>
+            </a:r>
+            <a:endParaRPr lang="en-US" sz="1400" dirty="0"/>
+          </a:p>
+        </p:txBody>
+      </p:sp>
+      <p:cxnSp>
+        <p:nvCxnSpPr>
+          <p:cNvPr id="279" name="Conector recto 278"/>
+          <p:cNvCxnSpPr>
+            <a:stCxn id="134" idx="2"/>
+            <a:endCxn id="144" idx="0"/>
+          </p:cNvCxnSpPr>
+          <p:nvPr/>
+        </p:nvCxnSpPr>
+        <p:spPr>
+          <a:xfrm flipH="1">
+            <a:off x="4919593" y="5864709"/>
+            <a:ext cx="673952" cy="647176"/>
+          </a:xfrm>
+          <a:prstGeom prst="line">
+            <a:avLst/>
+          </a:prstGeom>
+          <a:ln>
+            <a:solidFill>
+              <a:schemeClr val="accent6"/>
+            </a:solidFill>
+          </a:ln>
+        </p:spPr>
+        <p:style>
+          <a:lnRef idx="1">
+            <a:schemeClr val="accent1"/>
+          </a:lnRef>
+          <a:fillRef idx="0">
+            <a:schemeClr val="accent1"/>
+          </a:fillRef>
+          <a:effectRef idx="0">
+            <a:schemeClr val="accent1"/>
+          </a:effectRef>
+          <a:fontRef idx="minor">
+            <a:schemeClr val="tx1"/>
+          </a:fontRef>
+        </p:style>
+      </p:cxnSp>
+      <p:cxnSp>
+        <p:nvCxnSpPr>
+          <p:cNvPr id="281" name="Conector recto 280"/>
+          <p:cNvCxnSpPr>
+            <a:stCxn id="134" idx="2"/>
+            <a:endCxn id="277" idx="0"/>
+          </p:cNvCxnSpPr>
+          <p:nvPr/>
+        </p:nvCxnSpPr>
+        <p:spPr>
+          <a:xfrm>
+            <a:off x="5593545" y="5864709"/>
+            <a:ext cx="1293" cy="647176"/>
+          </a:xfrm>
+          <a:prstGeom prst="line">
+            <a:avLst/>
+          </a:prstGeom>
+          <a:ln>
+            <a:solidFill>
+              <a:schemeClr val="accent6"/>
+            </a:solidFill>
+          </a:ln>
+        </p:spPr>
+        <p:style>
+          <a:lnRef idx="1">
+            <a:schemeClr val="accent1"/>
+          </a:lnRef>
+          <a:fillRef idx="0">
+            <a:schemeClr val="accent1"/>
+          </a:fillRef>
+          <a:effectRef idx="0">
+            <a:schemeClr val="accent1"/>
+          </a:effectRef>
+          <a:fontRef idx="minor">
+            <a:schemeClr val="tx1"/>
+          </a:fontRef>
+        </p:style>
+      </p:cxnSp>
+      <p:sp>
+        <p:nvSpPr>
+          <p:cNvPr id="282" name="CuadroTexto 281"/>
+          <p:cNvSpPr txBox="1"/>
+          <p:nvPr/>
+        </p:nvSpPr>
+        <p:spPr>
+          <a:xfrm>
+            <a:off x="5453923" y="7330345"/>
+            <a:ext cx="279244" cy="307777"/>
+          </a:xfrm>
+          <a:prstGeom prst="rect">
+            <a:avLst/>
+          </a:prstGeom>
+          <a:noFill/>
+        </p:spPr>
+        <p:txBody>
+          <a:bodyPr wrap="none" rtlCol="0">
+            <a:spAutoFit/>
+          </a:bodyPr>
+          <a:lstStyle/>
+          <a:p>
+            <a:r>
+              <a:rPr lang="es-ES" sz="1400" dirty="0"/>
+              <a:t>d</a:t>
+            </a:r>
+            <a:endParaRPr lang="en-US" sz="1400" dirty="0"/>
+          </a:p>
+        </p:txBody>
+      </p:sp>
+      <p:cxnSp>
+        <p:nvCxnSpPr>
+          <p:cNvPr id="284" name="Conector recto 283"/>
+          <p:cNvCxnSpPr>
+            <a:stCxn id="277" idx="2"/>
+            <a:endCxn id="282" idx="0"/>
+          </p:cNvCxnSpPr>
+          <p:nvPr/>
+        </p:nvCxnSpPr>
+        <p:spPr>
+          <a:xfrm flipH="1">
+            <a:off x="5593545" y="6819662"/>
+            <a:ext cx="1293" cy="510683"/>
+          </a:xfrm>
+          <a:prstGeom prst="line">
+            <a:avLst/>
+          </a:prstGeom>
+        </p:spPr>
+        <p:style>
+          <a:lnRef idx="1">
+            <a:schemeClr val="accent1"/>
+          </a:lnRef>
+          <a:fillRef idx="0">
+            <a:schemeClr val="accent1"/>
+          </a:fillRef>
+          <a:effectRef idx="0">
+            <a:schemeClr val="accent1"/>
+          </a:effectRef>
+          <a:fontRef idx="minor">
+            <a:schemeClr val="tx1"/>
+          </a:fontRef>
+        </p:style>
+      </p:cxnSp>
+      <p:sp>
+        <p:nvSpPr>
+          <p:cNvPr id="286" name="CuadroTexto 285"/>
+          <p:cNvSpPr txBox="1"/>
+          <p:nvPr/>
+        </p:nvSpPr>
+        <p:spPr>
+          <a:xfrm>
+            <a:off x="6860215" y="7330344"/>
+            <a:ext cx="312906" cy="307777"/>
+          </a:xfrm>
+          <a:prstGeom prst="rect">
+            <a:avLst/>
+          </a:prstGeom>
+          <a:noFill/>
+        </p:spPr>
+        <p:txBody>
+          <a:bodyPr wrap="none" rtlCol="0">
+            <a:spAutoFit/>
+          </a:bodyPr>
+          <a:lstStyle/>
+          <a:p>
+            <a:r>
+              <a:rPr lang="es-ES" sz="1400" dirty="0"/>
+              <a:t>%</a:t>
+            </a:r>
+            <a:endParaRPr lang="en-US" sz="1400" dirty="0"/>
+          </a:p>
+        </p:txBody>
+      </p:sp>
+      <p:sp>
+        <p:nvSpPr>
+          <p:cNvPr id="287" name="CuadroTexto 286"/>
+          <p:cNvSpPr txBox="1"/>
+          <p:nvPr/>
+        </p:nvSpPr>
+        <p:spPr>
+          <a:xfrm>
+            <a:off x="8246062" y="7341100"/>
+            <a:ext cx="638316" cy="307777"/>
+          </a:xfrm>
+          <a:prstGeom prst="rect">
+            <a:avLst/>
+          </a:prstGeom>
+          <a:noFill/>
+        </p:spPr>
+        <p:txBody>
+          <a:bodyPr wrap="none" rtlCol="0">
+            <a:spAutoFit/>
+          </a:bodyPr>
+          <a:lstStyle/>
+          <a:p>
+            <a:r>
+              <a:rPr lang="es-ES" sz="1400" dirty="0"/>
+              <a:t>LETRA</a:t>
+            </a:r>
+            <a:endParaRPr lang="en-US" sz="1400" dirty="0"/>
+          </a:p>
+        </p:txBody>
+      </p:sp>
+      <p:cxnSp>
+        <p:nvCxnSpPr>
+          <p:cNvPr id="329" name="Conector recto 328"/>
+          <p:cNvCxnSpPr>
+            <a:stCxn id="133" idx="2"/>
+            <a:endCxn id="147" idx="0"/>
+          </p:cNvCxnSpPr>
+          <p:nvPr/>
+        </p:nvCxnSpPr>
+        <p:spPr>
+          <a:xfrm flipH="1">
+            <a:off x="6533868" y="5822884"/>
+            <a:ext cx="585430" cy="685892"/>
+          </a:xfrm>
+          <a:prstGeom prst="line">
+            <a:avLst/>
+          </a:prstGeom>
+          <a:ln>
+            <a:solidFill>
+              <a:schemeClr val="accent4"/>
+            </a:solidFill>
+          </a:ln>
+        </p:spPr>
+        <p:style>
+          <a:lnRef idx="1">
+            <a:schemeClr val="accent1"/>
+          </a:lnRef>
+          <a:fillRef idx="0">
+            <a:schemeClr val="accent1"/>
+          </a:fillRef>
+          <a:effectRef idx="0">
+            <a:schemeClr val="accent1"/>
+          </a:effectRef>
+          <a:fontRef idx="minor">
+            <a:schemeClr val="tx1"/>
+          </a:fontRef>
+        </p:style>
+      </p:cxnSp>
+      <p:cxnSp>
+        <p:nvCxnSpPr>
+          <p:cNvPr id="331" name="Conector recto 330"/>
+          <p:cNvCxnSpPr>
+            <a:stCxn id="133" idx="2"/>
+            <a:endCxn id="149" idx="0"/>
+          </p:cNvCxnSpPr>
+          <p:nvPr/>
+        </p:nvCxnSpPr>
+        <p:spPr>
+          <a:xfrm>
+            <a:off x="7119298" y="5822884"/>
+            <a:ext cx="677599" cy="682164"/>
+          </a:xfrm>
+          <a:prstGeom prst="line">
+            <a:avLst/>
+          </a:prstGeom>
+          <a:ln>
+            <a:solidFill>
+              <a:schemeClr val="accent4"/>
+            </a:solidFill>
+          </a:ln>
+        </p:spPr>
+        <p:style>
+          <a:lnRef idx="1">
+            <a:schemeClr val="accent1"/>
+          </a:lnRef>
+          <a:fillRef idx="0">
+            <a:schemeClr val="accent1"/>
+          </a:fillRef>
+          <a:effectRef idx="0">
+            <a:schemeClr val="accent1"/>
+          </a:effectRef>
+          <a:fontRef idx="minor">
+            <a:schemeClr val="tx1"/>
+          </a:fontRef>
+        </p:style>
+      </p:cxnSp>
+      <p:sp>
+        <p:nvSpPr>
+          <p:cNvPr id="343" name="CuadroTexto 342"/>
+          <p:cNvSpPr txBox="1"/>
+          <p:nvPr/>
+        </p:nvSpPr>
+        <p:spPr>
+          <a:xfrm>
+            <a:off x="8459386" y="8266719"/>
+            <a:ext cx="239168" cy="307777"/>
+          </a:xfrm>
+          <a:prstGeom prst="rect">
+            <a:avLst/>
+          </a:prstGeom>
+          <a:noFill/>
+        </p:spPr>
+        <p:txBody>
+          <a:bodyPr wrap="none" rtlCol="0">
+            <a:spAutoFit/>
+          </a:bodyPr>
+          <a:lstStyle/>
+          <a:p>
+            <a:r>
+              <a:rPr lang="es-ES" sz="1400" dirty="0" smtClean="0"/>
+              <a:t>f</a:t>
+            </a:r>
+            <a:endParaRPr lang="en-US" sz="1400" dirty="0"/>
+          </a:p>
+        </p:txBody>
+      </p:sp>
+      <p:cxnSp>
+        <p:nvCxnSpPr>
+          <p:cNvPr id="345" name="Conector recto 344"/>
+          <p:cNvCxnSpPr>
+            <a:stCxn id="149" idx="2"/>
+            <a:endCxn id="286" idx="0"/>
+          </p:cNvCxnSpPr>
+          <p:nvPr/>
+        </p:nvCxnSpPr>
+        <p:spPr>
+          <a:xfrm flipH="1">
+            <a:off x="7016668" y="6812825"/>
+            <a:ext cx="780229" cy="517519"/>
+          </a:xfrm>
+          <a:prstGeom prst="line">
+            <a:avLst/>
+          </a:prstGeom>
+          <a:ln>
+            <a:solidFill>
+              <a:schemeClr val="accent2"/>
+            </a:solidFill>
+          </a:ln>
+        </p:spPr>
+        <p:style>
+          <a:lnRef idx="1">
+            <a:schemeClr val="accent1"/>
+          </a:lnRef>
+          <a:fillRef idx="0">
+            <a:schemeClr val="accent1"/>
+          </a:fillRef>
+          <a:effectRef idx="0">
+            <a:schemeClr val="accent1"/>
+          </a:effectRef>
+          <a:fontRef idx="minor">
+            <a:schemeClr val="tx1"/>
+          </a:fontRef>
+        </p:style>
+      </p:cxnSp>
+      <p:cxnSp>
+        <p:nvCxnSpPr>
+          <p:cNvPr id="347" name="Conector recto 346"/>
+          <p:cNvCxnSpPr>
+            <a:stCxn id="149" idx="2"/>
+            <a:endCxn id="153" idx="0"/>
+          </p:cNvCxnSpPr>
+          <p:nvPr/>
+        </p:nvCxnSpPr>
+        <p:spPr>
+          <a:xfrm>
+            <a:off x="7796897" y="6812825"/>
+            <a:ext cx="2943" cy="528275"/>
+          </a:xfrm>
+          <a:prstGeom prst="line">
+            <a:avLst/>
+          </a:prstGeom>
+          <a:ln>
+            <a:solidFill>
+              <a:schemeClr val="accent2"/>
+            </a:solidFill>
+          </a:ln>
+        </p:spPr>
+        <p:style>
+          <a:lnRef idx="1">
+            <a:schemeClr val="accent1"/>
+          </a:lnRef>
+          <a:fillRef idx="0">
+            <a:schemeClr val="accent1"/>
+          </a:fillRef>
+          <a:effectRef idx="0">
+            <a:schemeClr val="accent1"/>
+          </a:effectRef>
+          <a:fontRef idx="minor">
+            <a:schemeClr val="tx1"/>
+          </a:fontRef>
+        </p:style>
+      </p:cxnSp>
+      <p:cxnSp>
+        <p:nvCxnSpPr>
+          <p:cNvPr id="349" name="Conector recto 348"/>
+          <p:cNvCxnSpPr>
+            <a:stCxn id="149" idx="2"/>
+            <a:endCxn id="287" idx="0"/>
+          </p:cNvCxnSpPr>
+          <p:nvPr/>
+        </p:nvCxnSpPr>
+        <p:spPr>
+          <a:xfrm>
+            <a:off x="7796897" y="6812825"/>
+            <a:ext cx="768323" cy="528275"/>
+          </a:xfrm>
+          <a:prstGeom prst="line">
+            <a:avLst/>
+          </a:prstGeom>
+          <a:ln>
+            <a:solidFill>
+              <a:schemeClr val="accent2"/>
+            </a:solidFill>
+          </a:ln>
+        </p:spPr>
+        <p:style>
+          <a:lnRef idx="1">
+            <a:schemeClr val="accent1"/>
+          </a:lnRef>
+          <a:fillRef idx="0">
+            <a:schemeClr val="accent1"/>
+          </a:fillRef>
+          <a:effectRef idx="0">
+            <a:schemeClr val="accent1"/>
+          </a:effectRef>
+          <a:fontRef idx="minor">
+            <a:schemeClr val="tx1"/>
+          </a:fontRef>
+        </p:style>
+      </p:cxnSp>
+      <p:cxnSp>
+        <p:nvCxnSpPr>
+          <p:cNvPr id="351" name="Conector recto 350"/>
+          <p:cNvCxnSpPr>
+            <a:stCxn id="287" idx="2"/>
+            <a:endCxn id="343" idx="0"/>
+          </p:cNvCxnSpPr>
+          <p:nvPr/>
+        </p:nvCxnSpPr>
+        <p:spPr>
+          <a:xfrm>
+            <a:off x="8565220" y="7648877"/>
+            <a:ext cx="13750" cy="617842"/>
           </a:xfrm>
           <a:prstGeom prst="line">
             <a:avLst/>
@@ -4138,7 +5852,7 @@
 <file path=ppt/theme/theme1.xml><?xml version="1.0" encoding="utf-8"?>
 <a:theme xmlns:a="http://schemas.openxmlformats.org/drawingml/2006/main" name="Tema de Office">
   <a:themeElements>
-    <a:clrScheme name="Office">
+    <a:clrScheme name="Tema de Office">
       <a:dk1>
         <a:sysClr val="windowText" lastClr="000000"/>
       </a:dk1>
@@ -4176,7 +5890,7 @@
         <a:srgbClr val="954F72"/>
       </a:folHlink>
     </a:clrScheme>
-    <a:fontScheme name="Office">
+    <a:fontScheme name="Tema de Office">
       <a:majorFont>
         <a:latin typeface="Calibri Light" panose="020F0302020204030204"/>
         <a:ea typeface=""/>
@@ -4248,7 +5962,7 @@
         <a:font script="Geor" typeface="Sylfaen"/>
       </a:minorFont>
     </a:fontScheme>
-    <a:fmtScheme name="Office">
+    <a:fmtScheme name="Tema de Office">
       <a:fillStyleLst>
         <a:solidFill>
           <a:schemeClr val="phClr"/>
